--- a/presentations/pareto-rule-presentation.pptx
+++ b/presentations/pareto-rule-presentation.pptx
@@ -6,23 +6,24 @@
   </p:sldMasterIdLst>
   <p:sldIdLst>
     <p:sldId id="256" r:id="rId2"/>
-    <p:sldId id="290" r:id="rId3"/>
-    <p:sldId id="295" r:id="rId4"/>
-    <p:sldId id="297" r:id="rId5"/>
+    <p:sldId id="295" r:id="rId3"/>
+    <p:sldId id="299" r:id="rId4"/>
+    <p:sldId id="290" r:id="rId5"/>
     <p:sldId id="275" r:id="rId6"/>
-    <p:sldId id="261" r:id="rId7"/>
-    <p:sldId id="296" r:id="rId8"/>
-    <p:sldId id="294" r:id="rId9"/>
-    <p:sldId id="263" r:id="rId10"/>
-    <p:sldId id="289" r:id="rId11"/>
-    <p:sldId id="293" r:id="rId12"/>
-    <p:sldId id="264" r:id="rId13"/>
-    <p:sldId id="259" r:id="rId14"/>
-    <p:sldId id="291" r:id="rId15"/>
-    <p:sldId id="298" r:id="rId16"/>
-    <p:sldId id="283" r:id="rId17"/>
-    <p:sldId id="267" r:id="rId18"/>
-    <p:sldId id="262" r:id="rId19"/>
+    <p:sldId id="297" r:id="rId7"/>
+    <p:sldId id="261" r:id="rId8"/>
+    <p:sldId id="296" r:id="rId9"/>
+    <p:sldId id="294" r:id="rId10"/>
+    <p:sldId id="263" r:id="rId11"/>
+    <p:sldId id="289" r:id="rId12"/>
+    <p:sldId id="293" r:id="rId13"/>
+    <p:sldId id="264" r:id="rId14"/>
+    <p:sldId id="259" r:id="rId15"/>
+    <p:sldId id="291" r:id="rId16"/>
+    <p:sldId id="298" r:id="rId17"/>
+    <p:sldId id="283" r:id="rId18"/>
+    <p:sldId id="267" r:id="rId19"/>
+    <p:sldId id="262" r:id="rId20"/>
   </p:sldIdLst>
   <p:sldSz cx="12192000" cy="6858000"/>
   <p:notesSz cx="6858000" cy="9144000"/>
@@ -3915,9 +3916,15 @@
   <p:cSld>
     <p:bg>
       <p:bgPr>
-        <a:solidFill>
-          <a:schemeClr val="tx1"/>
-        </a:solidFill>
+        <a:blipFill dpi="0" rotWithShape="1">
+          <a:blip r:embed="rId2">
+            <a:lum/>
+          </a:blip>
+          <a:srcRect/>
+          <a:stretch>
+            <a:fillRect t="-9000" b="-9000"/>
+          </a:stretch>
+        </a:blipFill>
         <a:effectLst/>
       </p:bgPr>
     </p:bg>
@@ -3937,10 +3944,94 @@
       </p:grpSpPr>
       <p:sp>
         <p:nvSpPr>
-          <p:cNvPr id="10" name="Otsikko 1">
-            <a:extLst>
-              <a:ext uri="{FF2B5EF4-FFF2-40B4-BE49-F238E27FC236}">
-                <a16:creationId xmlns:a16="http://schemas.microsoft.com/office/drawing/2014/main" id="{2E6D5F2F-5AA7-024C-8BD8-87B73B40DBC9}"/>
+          <p:cNvPr id="4" name="Otsikko 1">
+            <a:extLst>
+              <a:ext uri="{FF2B5EF4-FFF2-40B4-BE49-F238E27FC236}">
+                <a16:creationId xmlns:a16="http://schemas.microsoft.com/office/drawing/2014/main" id="{5B3247D8-F487-9A4F-BBA2-F4889044E82A}"/>
+              </a:ext>
+            </a:extLst>
+          </p:cNvPr>
+          <p:cNvSpPr txBox="1">
+            <a:spLocks/>
+          </p:cNvSpPr>
+          <p:nvPr/>
+        </p:nvSpPr>
+        <p:spPr>
+          <a:xfrm>
+            <a:off x="0" y="0"/>
+            <a:ext cx="7388772" cy="6487297"/>
+          </a:xfrm>
+          <a:prstGeom prst="rect">
+            <a:avLst/>
+          </a:prstGeom>
+          <a:solidFill>
+            <a:srgbClr val="FF4201"/>
+          </a:solidFill>
+        </p:spPr>
+        <p:txBody>
+          <a:bodyPr vert="horz" lIns="91440" tIns="45720" rIns="91440" bIns="45720" rtlCol="0" anchor="ctr">
+            <a:normAutofit/>
+          </a:bodyPr>
+          <a:lstStyle>
+            <a:lvl1pPr algn="l" defTabSz="914400" rtl="0" eaLnBrk="1" latinLnBrk="0" hangingPunct="1">
+              <a:lnSpc>
+                <a:spcPct val="90000"/>
+              </a:lnSpc>
+              <a:spcBef>
+                <a:spcPct val="0"/>
+              </a:spcBef>
+              <a:buNone/>
+              <a:defRPr sz="4400" kern="1200">
+                <a:solidFill>
+                  <a:schemeClr val="tx1"/>
+                </a:solidFill>
+                <a:latin typeface="+mj-lt"/>
+                <a:ea typeface="+mj-ea"/>
+                <a:cs typeface="+mj-cs"/>
+              </a:defRPr>
+            </a:lvl1pPr>
+          </a:lstStyle>
+          <a:p>
+            <a:pPr marL="0" marR="0" lvl="0" indent="0" algn="l" defTabSz="914400" rtl="0" eaLnBrk="1" fontAlgn="auto" latinLnBrk="0" hangingPunct="1">
+              <a:lnSpc>
+                <a:spcPct val="90000"/>
+              </a:lnSpc>
+              <a:spcBef>
+                <a:spcPct val="0"/>
+              </a:spcBef>
+              <a:spcAft>
+                <a:spcPts val="0"/>
+              </a:spcAft>
+              <a:buClrTx/>
+              <a:buSzTx/>
+              <a:buFontTx/>
+              <a:buNone/>
+              <a:tabLst/>
+              <a:defRPr/>
+            </a:pPr>
+            <a:endParaRPr kumimoji="0" lang="fi-FI" sz="6000" b="0" i="0" u="none" strike="noStrike" kern="1200" cap="none" spc="0" normalizeH="0" baseline="0" noProof="0" dirty="0">
+              <a:ln>
+                <a:noFill/>
+              </a:ln>
+              <a:solidFill>
+                <a:prstClr val="white"/>
+              </a:solidFill>
+              <a:effectLst/>
+              <a:uLnTx/>
+              <a:uFillTx/>
+              <a:latin typeface="Calibri Light" panose="020F0302020204030204"/>
+              <a:ea typeface="+mj-ea"/>
+              <a:cs typeface="+mj-cs"/>
+            </a:endParaRPr>
+          </a:p>
+        </p:txBody>
+      </p:sp>
+      <p:sp>
+        <p:nvSpPr>
+          <p:cNvPr id="6" name="Otsikko 1">
+            <a:extLst>
+              <a:ext uri="{FF2B5EF4-FFF2-40B4-BE49-F238E27FC236}">
+                <a16:creationId xmlns:a16="http://schemas.microsoft.com/office/drawing/2014/main" id="{C0DD3EE3-DD16-CB4C-8621-19567DE837A5}"/>
               </a:ext>
             </a:extLst>
           </p:cNvPr>
@@ -3988,6 +4079,348 @@
             </a:lvl1pPr>
           </a:lstStyle>
           <a:p>
+            <a:pPr marL="0" marR="0" lvl="0" indent="0" algn="ctr" defTabSz="914400" rtl="0" eaLnBrk="1" fontAlgn="auto" latinLnBrk="0" hangingPunct="1">
+              <a:lnSpc>
+                <a:spcPct val="90000"/>
+              </a:lnSpc>
+              <a:spcBef>
+                <a:spcPct val="0"/>
+              </a:spcBef>
+              <a:spcAft>
+                <a:spcPts val="0"/>
+              </a:spcAft>
+              <a:buClrTx/>
+              <a:buSzTx/>
+              <a:buFontTx/>
+              <a:buNone/>
+              <a:tabLst/>
+              <a:defRPr/>
+            </a:pPr>
+            <a:r>
+              <a:rPr kumimoji="0" lang="fi-FI" sz="1800" b="0" i="0" u="none" strike="noStrike" kern="1200" cap="none" spc="0" normalizeH="0" baseline="0" noProof="0" dirty="0">
+                <a:ln>
+                  <a:noFill/>
+                </a:ln>
+                <a:solidFill>
+                  <a:prstClr val="white"/>
+                </a:solidFill>
+                <a:effectLst/>
+                <a:uLnTx/>
+                <a:uFillTx/>
+                <a:latin typeface="Calibri Light" panose="020F0302020204030204"/>
+                <a:ea typeface="+mj-ea"/>
+                <a:cs typeface="+mj-cs"/>
+              </a:rPr>
+              <a:t>DX Doctor – dxdoctor.net – Jarkko Moilanen @Jarkko_Moilanen</a:t>
+            </a:r>
+          </a:p>
+        </p:txBody>
+      </p:sp>
+      <p:sp>
+        <p:nvSpPr>
+          <p:cNvPr id="8" name="Tekstiruutu 7">
+            <a:extLst>
+              <a:ext uri="{FF2B5EF4-FFF2-40B4-BE49-F238E27FC236}">
+                <a16:creationId xmlns:a16="http://schemas.microsoft.com/office/drawing/2014/main" id="{D76713CD-91CA-1C4E-85B7-119690CF1138}"/>
+              </a:ext>
+            </a:extLst>
+          </p:cNvPr>
+          <p:cNvSpPr txBox="1"/>
+          <p:nvPr/>
+        </p:nvSpPr>
+        <p:spPr>
+          <a:xfrm>
+            <a:off x="320565" y="370703"/>
+            <a:ext cx="6663559" cy="1569660"/>
+          </a:xfrm>
+          <a:prstGeom prst="rect">
+            <a:avLst/>
+          </a:prstGeom>
+          <a:noFill/>
+        </p:spPr>
+        <p:txBody>
+          <a:bodyPr wrap="square" rtlCol="0">
+            <a:spAutoFit/>
+          </a:bodyPr>
+          <a:lstStyle/>
+          <a:p>
+            <a:r>
+              <a:rPr lang="fi-FI" sz="4800" b="1" dirty="0">
+                <a:solidFill>
+                  <a:schemeClr val="bg1"/>
+                </a:solidFill>
+              </a:rPr>
+              <a:t>Information </a:t>
+            </a:r>
+            <a:r>
+              <a:rPr lang="fi-FI" sz="4800" b="1" dirty="0" err="1">
+                <a:solidFill>
+                  <a:schemeClr val="bg1"/>
+                </a:solidFill>
+              </a:rPr>
+              <a:t>overflow</a:t>
+            </a:r>
+            <a:endParaRPr lang="fi-FI" sz="4800" dirty="0">
+              <a:solidFill>
+                <a:schemeClr val="bg1"/>
+              </a:solidFill>
+            </a:endParaRPr>
+          </a:p>
+          <a:p>
+            <a:r>
+              <a:rPr lang="fi-FI" sz="2400" dirty="0" err="1">
+                <a:solidFill>
+                  <a:schemeClr val="bg1"/>
+                </a:solidFill>
+              </a:rPr>
+              <a:t>Find</a:t>
+            </a:r>
+            <a:r>
+              <a:rPr lang="fi-FI" sz="2400" dirty="0">
+                <a:solidFill>
+                  <a:schemeClr val="bg1"/>
+                </a:solidFill>
+              </a:rPr>
+              <a:t> the </a:t>
+            </a:r>
+            <a:r>
+              <a:rPr lang="fi-FI" sz="2400" dirty="0" err="1">
+                <a:solidFill>
+                  <a:schemeClr val="bg1"/>
+                </a:solidFill>
+              </a:rPr>
+              <a:t>relevant</a:t>
+            </a:r>
+            <a:r>
+              <a:rPr lang="fi-FI" sz="2400" dirty="0">
+                <a:solidFill>
+                  <a:schemeClr val="bg1"/>
+                </a:solidFill>
+              </a:rPr>
+              <a:t> information from your </a:t>
+            </a:r>
+            <a:r>
+              <a:rPr lang="fi-FI" sz="2400" dirty="0" err="1">
+                <a:solidFill>
+                  <a:schemeClr val="bg1"/>
+                </a:solidFill>
+              </a:rPr>
+              <a:t>developer</a:t>
+            </a:r>
+            <a:r>
+              <a:rPr lang="fi-FI" sz="2400" dirty="0">
+                <a:solidFill>
+                  <a:schemeClr val="bg1"/>
+                </a:solidFill>
+              </a:rPr>
+              <a:t> </a:t>
+            </a:r>
+            <a:r>
+              <a:rPr lang="fi-FI" sz="2400" dirty="0" err="1">
+                <a:solidFill>
+                  <a:schemeClr val="bg1"/>
+                </a:solidFill>
+              </a:rPr>
+              <a:t>portal</a:t>
+            </a:r>
+            <a:endParaRPr lang="fi-FI" sz="2400" dirty="0">
+              <a:solidFill>
+                <a:schemeClr val="bg1"/>
+              </a:solidFill>
+            </a:endParaRPr>
+          </a:p>
+        </p:txBody>
+      </p:sp>
+      <p:sp>
+        <p:nvSpPr>
+          <p:cNvPr id="10" name="Suorakulmio 9">
+            <a:extLst>
+              <a:ext uri="{FF2B5EF4-FFF2-40B4-BE49-F238E27FC236}">
+                <a16:creationId xmlns:a16="http://schemas.microsoft.com/office/drawing/2014/main" id="{8A3F150D-40F5-5B42-99DD-9988CF97DBB0}"/>
+              </a:ext>
+            </a:extLst>
+          </p:cNvPr>
+          <p:cNvSpPr/>
+          <p:nvPr/>
+        </p:nvSpPr>
+        <p:spPr>
+          <a:xfrm>
+            <a:off x="981589" y="2370556"/>
+            <a:ext cx="4831382" cy="3301054"/>
+          </a:xfrm>
+          <a:prstGeom prst="rect">
+            <a:avLst/>
+          </a:prstGeom>
+          <a:noFill/>
+          <a:ln>
+            <a:solidFill>
+              <a:schemeClr val="bg1"/>
+            </a:solidFill>
+          </a:ln>
+        </p:spPr>
+        <p:style>
+          <a:lnRef idx="2">
+            <a:schemeClr val="accent1">
+              <a:shade val="50000"/>
+            </a:schemeClr>
+          </a:lnRef>
+          <a:fillRef idx="1">
+            <a:schemeClr val="accent1"/>
+          </a:fillRef>
+          <a:effectRef idx="0">
+            <a:schemeClr val="accent1"/>
+          </a:effectRef>
+          <a:fontRef idx="minor">
+            <a:schemeClr val="lt1"/>
+          </a:fontRef>
+        </p:style>
+        <p:txBody>
+          <a:bodyPr rtlCol="0" anchor="ctr"/>
+          <a:lstStyle/>
+          <a:p>
+            <a:pPr algn="ctr"/>
+            <a:r>
+              <a:rPr lang="fi-FI" sz="4800" dirty="0">
+                <a:solidFill>
+                  <a:schemeClr val="bg1"/>
+                </a:solidFill>
+              </a:rPr>
+              <a:t>80% of the </a:t>
+            </a:r>
+            <a:r>
+              <a:rPr lang="fi-FI" sz="4800" dirty="0" err="1">
+                <a:solidFill>
+                  <a:schemeClr val="bg1"/>
+                </a:solidFill>
+              </a:rPr>
+              <a:t>developers</a:t>
+            </a:r>
+            <a:r>
+              <a:rPr lang="fi-FI" sz="4800" dirty="0">
+                <a:solidFill>
+                  <a:schemeClr val="bg1"/>
+                </a:solidFill>
+              </a:rPr>
+              <a:t> </a:t>
+            </a:r>
+          </a:p>
+          <a:p>
+            <a:pPr algn="ctr"/>
+            <a:r>
+              <a:rPr lang="fi-FI" sz="4800" dirty="0">
+                <a:solidFill>
+                  <a:schemeClr val="bg1"/>
+                </a:solidFill>
+              </a:rPr>
+              <a:t>need 20% of the </a:t>
+            </a:r>
+            <a:r>
+              <a:rPr lang="fi-FI" sz="4800" dirty="0" err="1">
+                <a:solidFill>
+                  <a:schemeClr val="bg1"/>
+                </a:solidFill>
+              </a:rPr>
+              <a:t>content</a:t>
+            </a:r>
+            <a:endParaRPr lang="fi-FI" sz="4800" dirty="0">
+              <a:solidFill>
+                <a:schemeClr val="bg1"/>
+              </a:solidFill>
+            </a:endParaRPr>
+          </a:p>
+        </p:txBody>
+      </p:sp>
+    </p:spTree>
+    <p:extLst>
+      <p:ext uri="{BB962C8B-B14F-4D97-AF65-F5344CB8AC3E}">
+        <p14:creationId xmlns:p14="http://schemas.microsoft.com/office/powerpoint/2010/main" val="1367482897"/>
+      </p:ext>
+    </p:extLst>
+  </p:cSld>
+  <p:clrMapOvr>
+    <a:masterClrMapping/>
+  </p:clrMapOvr>
+</p:sld>
+</file>
+
+<file path=ppt/slides/slide11.xml><?xml version="1.0" encoding="utf-8"?>
+<p:sld xmlns:a="http://schemas.openxmlformats.org/drawingml/2006/main" xmlns:r="http://schemas.openxmlformats.org/officeDocument/2006/relationships" xmlns:p="http://schemas.openxmlformats.org/presentationml/2006/main">
+  <p:cSld>
+    <p:bg>
+      <p:bgPr>
+        <a:solidFill>
+          <a:schemeClr val="tx1"/>
+        </a:solidFill>
+        <a:effectLst/>
+      </p:bgPr>
+    </p:bg>
+    <p:spTree>
+      <p:nvGrpSpPr>
+        <p:cNvPr id="1" name=""/>
+        <p:cNvGrpSpPr/>
+        <p:nvPr/>
+      </p:nvGrpSpPr>
+      <p:grpSpPr>
+        <a:xfrm>
+          <a:off x="0" y="0"/>
+          <a:ext cx="0" cy="0"/>
+          <a:chOff x="0" y="0"/>
+          <a:chExt cx="0" cy="0"/>
+        </a:xfrm>
+      </p:grpSpPr>
+      <p:sp>
+        <p:nvSpPr>
+          <p:cNvPr id="10" name="Otsikko 1">
+            <a:extLst>
+              <a:ext uri="{FF2B5EF4-FFF2-40B4-BE49-F238E27FC236}">
+                <a16:creationId xmlns:a16="http://schemas.microsoft.com/office/drawing/2014/main" id="{2E6D5F2F-5AA7-024C-8BD8-87B73B40DBC9}"/>
+              </a:ext>
+            </a:extLst>
+          </p:cNvPr>
+          <p:cNvSpPr txBox="1">
+            <a:spLocks/>
+          </p:cNvSpPr>
+          <p:nvPr/>
+        </p:nvSpPr>
+        <p:spPr>
+          <a:xfrm>
+            <a:off x="0" y="6487297"/>
+            <a:ext cx="12192000" cy="370703"/>
+          </a:xfrm>
+          <a:prstGeom prst="rect">
+            <a:avLst/>
+          </a:prstGeom>
+          <a:solidFill>
+            <a:schemeClr val="tx1">
+              <a:lumMod val="85000"/>
+              <a:lumOff val="15000"/>
+            </a:schemeClr>
+          </a:solidFill>
+        </p:spPr>
+        <p:txBody>
+          <a:bodyPr vert="horz" lIns="91440" tIns="45720" rIns="91440" bIns="45720" rtlCol="0" anchor="ctr">
+            <a:normAutofit/>
+          </a:bodyPr>
+          <a:lstStyle>
+            <a:lvl1pPr algn="l" defTabSz="914400" rtl="0" eaLnBrk="1" latinLnBrk="0" hangingPunct="1">
+              <a:lnSpc>
+                <a:spcPct val="90000"/>
+              </a:lnSpc>
+              <a:spcBef>
+                <a:spcPct val="0"/>
+              </a:spcBef>
+              <a:buNone/>
+              <a:defRPr sz="4400" kern="1200">
+                <a:solidFill>
+                  <a:schemeClr val="tx1"/>
+                </a:solidFill>
+                <a:latin typeface="+mj-lt"/>
+                <a:ea typeface="+mj-ea"/>
+                <a:cs typeface="+mj-cs"/>
+              </a:defRPr>
+            </a:lvl1pPr>
+          </a:lstStyle>
+          <a:p>
             <a:pPr algn="ctr"/>
             <a:r>
               <a:rPr lang="fi-FI" sz="1800" dirty="0">
@@ -4502,7 +4935,7 @@
 </p:sld>
 </file>
 
-<file path=ppt/slides/slide11.xml><?xml version="1.0" encoding="utf-8"?>
+<file path=ppt/slides/slide12.xml><?xml version="1.0" encoding="utf-8"?>
 <p:sld xmlns:a="http://schemas.openxmlformats.org/drawingml/2006/main" xmlns:r="http://schemas.openxmlformats.org/officeDocument/2006/relationships" xmlns:p="http://schemas.openxmlformats.org/presentationml/2006/main">
   <p:cSld>
     <p:bg>
@@ -5415,7 +5848,7 @@
 </p:sld>
 </file>
 
-<file path=ppt/slides/slide12.xml><?xml version="1.0" encoding="utf-8"?>
+<file path=ppt/slides/slide13.xml><?xml version="1.0" encoding="utf-8"?>
 <p:sld xmlns:a="http://schemas.openxmlformats.org/drawingml/2006/main" xmlns:r="http://schemas.openxmlformats.org/officeDocument/2006/relationships" xmlns:p="http://schemas.openxmlformats.org/presentationml/2006/main">
   <p:cSld>
     <p:bg>
@@ -6258,7 +6691,7 @@
 </p:sld>
 </file>
 
-<file path=ppt/slides/slide13.xml><?xml version="1.0" encoding="utf-8"?>
+<file path=ppt/slides/slide14.xml><?xml version="1.0" encoding="utf-8"?>
 <p:sld xmlns:a="http://schemas.openxmlformats.org/drawingml/2006/main" xmlns:r="http://schemas.openxmlformats.org/officeDocument/2006/relationships" xmlns:p="http://schemas.openxmlformats.org/presentationml/2006/main">
   <p:cSld>
     <p:bg>
@@ -7006,7 +7439,7 @@
 </p:sld>
 </file>
 
-<file path=ppt/slides/slide14.xml><?xml version="1.0" encoding="utf-8"?>
+<file path=ppt/slides/slide15.xml><?xml version="1.0" encoding="utf-8"?>
 <p:sld xmlns:a="http://schemas.openxmlformats.org/drawingml/2006/main" xmlns:r="http://schemas.openxmlformats.org/officeDocument/2006/relationships" xmlns:p="http://schemas.openxmlformats.org/presentationml/2006/main">
   <p:cSld>
     <p:bg>
@@ -7937,7 +8370,7 @@
 </p:sld>
 </file>
 
-<file path=ppt/slides/slide15.xml><?xml version="1.0" encoding="utf-8"?>
+<file path=ppt/slides/slide16.xml><?xml version="1.0" encoding="utf-8"?>
 <p:sld xmlns:a="http://schemas.openxmlformats.org/drawingml/2006/main" xmlns:r="http://schemas.openxmlformats.org/officeDocument/2006/relationships" xmlns:p="http://schemas.openxmlformats.org/presentationml/2006/main">
   <p:cSld>
     <p:bg>
@@ -9087,7 +9520,7 @@
 </p:sld>
 </file>
 
-<file path=ppt/slides/slide16.xml><?xml version="1.0" encoding="utf-8"?>
+<file path=ppt/slides/slide17.xml><?xml version="1.0" encoding="utf-8"?>
 <p:sld xmlns:a="http://schemas.openxmlformats.org/drawingml/2006/main" xmlns:r="http://schemas.openxmlformats.org/officeDocument/2006/relationships" xmlns:p="http://schemas.openxmlformats.org/presentationml/2006/main">
   <p:cSld>
     <p:bg>
@@ -9690,7 +10123,7 @@
 </p:sld>
 </file>
 
-<file path=ppt/slides/slide17.xml><?xml version="1.0" encoding="utf-8"?>
+<file path=ppt/slides/slide18.xml><?xml version="1.0" encoding="utf-8"?>
 <p:sld xmlns:a="http://schemas.openxmlformats.org/drawingml/2006/main" xmlns:r="http://schemas.openxmlformats.org/officeDocument/2006/relationships" xmlns:p="http://schemas.openxmlformats.org/presentationml/2006/main">
   <p:cSld>
     <p:bg>
@@ -10348,7 +10781,7 @@
 </p:sld>
 </file>
 
-<file path=ppt/slides/slide18.xml><?xml version="1.0" encoding="utf-8"?>
+<file path=ppt/slides/slide19.xml><?xml version="1.0" encoding="utf-8"?>
 <p:sld xmlns:a="http://schemas.openxmlformats.org/drawingml/2006/main" xmlns:r="http://schemas.openxmlformats.org/officeDocument/2006/relationships" xmlns:p="http://schemas.openxmlformats.org/presentationml/2006/main">
   <p:cSld>
     <p:bg>
@@ -10911,8 +11344,8 @@
         </p:nvSpPr>
         <p:spPr>
           <a:xfrm>
-            <a:off x="442076" y="-4489"/>
-            <a:ext cx="11456276" cy="3154710"/>
+            <a:off x="352866" y="2241231"/>
+            <a:ext cx="11456276" cy="1785104"/>
           </a:xfrm>
           <a:prstGeom prst="rect">
             <a:avLst/>
@@ -10926,22 +11359,59 @@
           <a:p>
             <a:pPr algn="ctr"/>
             <a:r>
-              <a:rPr lang="fi-FI" sz="19900" dirty="0">
-                <a:solidFill>
-                  <a:schemeClr val="bg1"/>
-                </a:solidFill>
-              </a:rPr>
-              <a:t>80/20</a:t>
-            </a:r>
+              <a:rPr lang="fi-FI" sz="6600" dirty="0">
+                <a:solidFill>
+                  <a:schemeClr val="bg1"/>
+                </a:solidFill>
+              </a:rPr>
+              <a:t>#</a:t>
+            </a:r>
+            <a:r>
+              <a:rPr lang="fi-FI" sz="6600" dirty="0" err="1">
+                <a:solidFill>
+                  <a:schemeClr val="bg1"/>
+                </a:solidFill>
+              </a:rPr>
+              <a:t>dxdoctor</a:t>
+            </a:r>
+            <a:endParaRPr lang="fi-FI" sz="6600" dirty="0">
+              <a:solidFill>
+                <a:schemeClr val="bg1"/>
+              </a:solidFill>
+            </a:endParaRPr>
+          </a:p>
+          <a:p>
+            <a:pPr algn="ctr"/>
+            <a:r>
+              <a:rPr lang="fi-FI" sz="4400" dirty="0">
+                <a:solidFill>
+                  <a:schemeClr val="bg1"/>
+                </a:solidFill>
+              </a:rPr>
+              <a:t>@</a:t>
+            </a:r>
+            <a:r>
+              <a:rPr lang="fi-FI" sz="4400" dirty="0" err="1">
+                <a:solidFill>
+                  <a:schemeClr val="bg1"/>
+                </a:solidFill>
+              </a:rPr>
+              <a:t>Jarkko_Moilanen</a:t>
+            </a:r>
+            <a:endParaRPr lang="fi-FI" sz="4400" dirty="0">
+              <a:solidFill>
+                <a:schemeClr val="bg1"/>
+              </a:solidFill>
+            </a:endParaRPr>
           </a:p>
         </p:txBody>
       </p:sp>
       <p:sp>
         <p:nvSpPr>
-          <p:cNvPr id="2" name="Suorakulmio 1">
-            <a:extLst>
-              <a:ext uri="{FF2B5EF4-FFF2-40B4-BE49-F238E27FC236}">
-                <a16:creationId xmlns:a16="http://schemas.microsoft.com/office/drawing/2014/main" id="{6AFBC7AE-DB7D-3443-BB0B-10DC41E8D98D}"/>
+          <p:cNvPr id="5" name="Suorakulmio 4">
+            <a:extLst>
+              <a:ext uri="{FF2B5EF4-FFF2-40B4-BE49-F238E27FC236}">
+                <a16:creationId xmlns:a16="http://schemas.microsoft.com/office/drawing/2014/main" id="{806FC13F-52EE-9144-B108-3E398D926D89}"/>
               </a:ext>
             </a:extLst>
           </p:cNvPr>
@@ -10950,8 +11420,8 @@
         </p:nvSpPr>
         <p:spPr>
           <a:xfrm>
-            <a:off x="1107687" y="3695814"/>
-            <a:ext cx="9932019" cy="1815882"/>
+            <a:off x="189571" y="469457"/>
+            <a:ext cx="11797990" cy="923330"/>
           </a:xfrm>
           <a:prstGeom prst="rect">
             <a:avLst/>
@@ -10965,779 +11435,57 @@
           <a:p>
             <a:pPr algn="ctr"/>
             <a:r>
-              <a:rPr lang="fi-FI" sz="2800" dirty="0">
-                <a:solidFill>
-                  <a:schemeClr val="bg1"/>
-                </a:solidFill>
-              </a:rPr>
-              <a:t>It is </a:t>
-            </a:r>
-            <a:r>
-              <a:rPr lang="fi-FI" sz="2800" dirty="0" err="1">
-                <a:solidFill>
-                  <a:schemeClr val="bg1"/>
-                </a:solidFill>
-              </a:rPr>
-              <a:t>named</a:t>
-            </a:r>
-            <a:r>
-              <a:rPr lang="fi-FI" sz="2800" dirty="0">
-                <a:solidFill>
-                  <a:schemeClr val="bg1"/>
-                </a:solidFill>
-              </a:rPr>
-              <a:t> </a:t>
-            </a:r>
-            <a:r>
-              <a:rPr lang="fi-FI" sz="2800" dirty="0" err="1">
-                <a:solidFill>
-                  <a:schemeClr val="bg1"/>
-                </a:solidFill>
-              </a:rPr>
-              <a:t>after</a:t>
-            </a:r>
-            <a:r>
-              <a:rPr lang="fi-FI" sz="2800" dirty="0">
-                <a:solidFill>
-                  <a:schemeClr val="bg1"/>
-                </a:solidFill>
-              </a:rPr>
-              <a:t> an Italian Economist </a:t>
-            </a:r>
-            <a:r>
-              <a:rPr lang="fi-FI" sz="2800" dirty="0" err="1">
-                <a:solidFill>
-                  <a:schemeClr val="bg1"/>
-                </a:solidFill>
-              </a:rPr>
-              <a:t>Vilfredo</a:t>
-            </a:r>
-            <a:r>
-              <a:rPr lang="fi-FI" sz="2800" dirty="0">
-                <a:solidFill>
-                  <a:schemeClr val="bg1"/>
-                </a:solidFill>
-              </a:rPr>
-              <a:t> </a:t>
-            </a:r>
-            <a:r>
-              <a:rPr lang="fi-FI" sz="2800" dirty="0" err="1">
-                <a:solidFill>
-                  <a:schemeClr val="bg1"/>
-                </a:solidFill>
-              </a:rPr>
-              <a:t>Pareto</a:t>
-            </a:r>
-            <a:r>
-              <a:rPr lang="fi-FI" sz="2800" dirty="0">
-                <a:solidFill>
-                  <a:schemeClr val="bg1"/>
-                </a:solidFill>
-              </a:rPr>
-              <a:t> </a:t>
-            </a:r>
-            <a:r>
-              <a:rPr lang="fi-FI" sz="2800" dirty="0" err="1">
-                <a:solidFill>
-                  <a:schemeClr val="bg1"/>
-                </a:solidFill>
-              </a:rPr>
-              <a:t>who</a:t>
-            </a:r>
-            <a:r>
-              <a:rPr lang="fi-FI" sz="2800" dirty="0">
-                <a:solidFill>
-                  <a:schemeClr val="bg1"/>
-                </a:solidFill>
-              </a:rPr>
-              <a:t> in 1906 </a:t>
-            </a:r>
-            <a:r>
-              <a:rPr lang="fi-FI" sz="2800" dirty="0" err="1">
-                <a:solidFill>
-                  <a:schemeClr val="bg1"/>
-                </a:solidFill>
-              </a:rPr>
-              <a:t>noticed</a:t>
-            </a:r>
-            <a:r>
-              <a:rPr lang="fi-FI" sz="2800" dirty="0">
-                <a:solidFill>
-                  <a:schemeClr val="bg1"/>
-                </a:solidFill>
-              </a:rPr>
-              <a:t> </a:t>
-            </a:r>
-            <a:r>
-              <a:rPr lang="fi-FI" sz="2800" dirty="0" err="1">
-                <a:solidFill>
-                  <a:schemeClr val="bg1"/>
-                </a:solidFill>
-              </a:rPr>
-              <a:t>that</a:t>
-            </a:r>
-            <a:r>
-              <a:rPr lang="fi-FI" sz="2800" dirty="0">
-                <a:solidFill>
-                  <a:schemeClr val="bg1"/>
-                </a:solidFill>
-              </a:rPr>
-              <a:t> 80% of </a:t>
-            </a:r>
-            <a:r>
-              <a:rPr lang="fi-FI" sz="2800" dirty="0" err="1">
-                <a:solidFill>
-                  <a:schemeClr val="bg1"/>
-                </a:solidFill>
-              </a:rPr>
-              <a:t>the</a:t>
-            </a:r>
-            <a:r>
-              <a:rPr lang="fi-FI" sz="2800" dirty="0">
-                <a:solidFill>
-                  <a:schemeClr val="bg1"/>
-                </a:solidFill>
-              </a:rPr>
-              <a:t> </a:t>
-            </a:r>
-            <a:r>
-              <a:rPr lang="fi-FI" sz="2800" dirty="0" err="1">
-                <a:solidFill>
-                  <a:schemeClr val="bg1"/>
-                </a:solidFill>
-              </a:rPr>
-              <a:t>land</a:t>
-            </a:r>
-            <a:r>
-              <a:rPr lang="fi-FI" sz="2800" dirty="0">
-                <a:solidFill>
-                  <a:schemeClr val="bg1"/>
-                </a:solidFill>
-              </a:rPr>
-              <a:t> in </a:t>
-            </a:r>
-            <a:r>
-              <a:rPr lang="fi-FI" sz="2800" dirty="0" err="1">
-                <a:solidFill>
-                  <a:schemeClr val="bg1"/>
-                </a:solidFill>
-              </a:rPr>
-              <a:t>Italy</a:t>
-            </a:r>
-            <a:r>
-              <a:rPr lang="fi-FI" sz="2800" dirty="0">
-                <a:solidFill>
-                  <a:schemeClr val="bg1"/>
-                </a:solidFill>
-              </a:rPr>
-              <a:t> </a:t>
-            </a:r>
-            <a:r>
-              <a:rPr lang="fi-FI" sz="2800" dirty="0" err="1">
-                <a:solidFill>
-                  <a:schemeClr val="bg1"/>
-                </a:solidFill>
-              </a:rPr>
-              <a:t>was</a:t>
-            </a:r>
-            <a:r>
-              <a:rPr lang="fi-FI" sz="2800" dirty="0">
-                <a:solidFill>
-                  <a:schemeClr val="bg1"/>
-                </a:solidFill>
-              </a:rPr>
-              <a:t> </a:t>
-            </a:r>
-            <a:r>
-              <a:rPr lang="fi-FI" sz="2800" dirty="0" err="1">
-                <a:solidFill>
-                  <a:schemeClr val="bg1"/>
-                </a:solidFill>
-              </a:rPr>
-              <a:t>owned</a:t>
-            </a:r>
-            <a:r>
-              <a:rPr lang="fi-FI" sz="2800" dirty="0">
-                <a:solidFill>
-                  <a:schemeClr val="bg1"/>
-                </a:solidFill>
-              </a:rPr>
-              <a:t> </a:t>
-            </a:r>
-            <a:r>
-              <a:rPr lang="fi-FI" sz="2800" dirty="0" err="1">
-                <a:solidFill>
-                  <a:schemeClr val="bg1"/>
-                </a:solidFill>
-              </a:rPr>
-              <a:t>by</a:t>
-            </a:r>
-            <a:r>
-              <a:rPr lang="fi-FI" sz="2800" dirty="0">
-                <a:solidFill>
-                  <a:schemeClr val="bg1"/>
-                </a:solidFill>
-              </a:rPr>
-              <a:t> 20% of </a:t>
-            </a:r>
-            <a:r>
-              <a:rPr lang="fi-FI" sz="2800" dirty="0" err="1">
-                <a:solidFill>
-                  <a:schemeClr val="bg1"/>
-                </a:solidFill>
-              </a:rPr>
-              <a:t>the</a:t>
-            </a:r>
-            <a:r>
-              <a:rPr lang="fi-FI" sz="2800" dirty="0">
-                <a:solidFill>
-                  <a:schemeClr val="bg1"/>
-                </a:solidFill>
-              </a:rPr>
-              <a:t> </a:t>
-            </a:r>
-            <a:r>
-              <a:rPr lang="fi-FI" sz="2800" dirty="0" err="1">
-                <a:solidFill>
-                  <a:schemeClr val="bg1"/>
-                </a:solidFill>
-              </a:rPr>
-              <a:t>population</a:t>
-            </a:r>
-            <a:r>
-              <a:rPr lang="fi-FI" sz="2800" dirty="0">
-                <a:solidFill>
-                  <a:schemeClr val="bg1"/>
-                </a:solidFill>
-              </a:rPr>
-              <a:t>. </a:t>
-            </a:r>
-            <a:r>
-              <a:rPr lang="fi-FI" sz="2800" dirty="0" err="1">
-                <a:solidFill>
-                  <a:schemeClr val="bg1"/>
-                </a:solidFill>
-              </a:rPr>
-              <a:t>Pareto</a:t>
-            </a:r>
-            <a:r>
-              <a:rPr lang="fi-FI" sz="2800" dirty="0">
-                <a:solidFill>
-                  <a:schemeClr val="bg1"/>
-                </a:solidFill>
-              </a:rPr>
-              <a:t> </a:t>
-            </a:r>
-            <a:r>
-              <a:rPr lang="fi-FI" sz="2800" dirty="0" err="1">
-                <a:solidFill>
-                  <a:schemeClr val="bg1"/>
-                </a:solidFill>
-              </a:rPr>
-              <a:t>verified</a:t>
-            </a:r>
-            <a:r>
-              <a:rPr lang="fi-FI" sz="2800" dirty="0">
-                <a:solidFill>
-                  <a:schemeClr val="bg1"/>
-                </a:solidFill>
-              </a:rPr>
-              <a:t> </a:t>
-            </a:r>
-            <a:r>
-              <a:rPr lang="fi-FI" sz="2800" dirty="0" err="1">
-                <a:solidFill>
-                  <a:schemeClr val="bg1"/>
-                </a:solidFill>
-              </a:rPr>
-              <a:t>the</a:t>
-            </a:r>
-            <a:r>
-              <a:rPr lang="fi-FI" sz="2800" dirty="0">
-                <a:solidFill>
-                  <a:schemeClr val="bg1"/>
-                </a:solidFill>
-              </a:rPr>
-              <a:t> </a:t>
-            </a:r>
-            <a:r>
-              <a:rPr lang="fi-FI" sz="2800" dirty="0" err="1">
-                <a:solidFill>
-                  <a:schemeClr val="bg1"/>
-                </a:solidFill>
-              </a:rPr>
-              <a:t>principle</a:t>
-            </a:r>
-            <a:r>
-              <a:rPr lang="fi-FI" sz="2800" dirty="0">
-                <a:solidFill>
-                  <a:schemeClr val="bg1"/>
-                </a:solidFill>
-              </a:rPr>
-              <a:t> </a:t>
-            </a:r>
-            <a:r>
-              <a:rPr lang="fi-FI" sz="2800" dirty="0" err="1">
-                <a:solidFill>
-                  <a:schemeClr val="bg1"/>
-                </a:solidFill>
-              </a:rPr>
-              <a:t>with</a:t>
-            </a:r>
-            <a:r>
-              <a:rPr lang="fi-FI" sz="2800" dirty="0">
-                <a:solidFill>
-                  <a:schemeClr val="bg1"/>
-                </a:solidFill>
-              </a:rPr>
-              <a:t> </a:t>
-            </a:r>
-            <a:r>
-              <a:rPr lang="fi-FI" sz="2800" dirty="0" err="1">
-                <a:solidFill>
-                  <a:schemeClr val="bg1"/>
-                </a:solidFill>
-              </a:rPr>
-              <a:t>multiple</a:t>
-            </a:r>
-            <a:r>
-              <a:rPr lang="fi-FI" sz="2800" dirty="0">
-                <a:solidFill>
-                  <a:schemeClr val="bg1"/>
-                </a:solidFill>
-              </a:rPr>
-              <a:t> </a:t>
-            </a:r>
-            <a:r>
-              <a:rPr lang="fi-FI" sz="2800" dirty="0" err="1">
-                <a:solidFill>
-                  <a:schemeClr val="bg1"/>
-                </a:solidFill>
-              </a:rPr>
-              <a:t>tests</a:t>
-            </a:r>
-            <a:r>
-              <a:rPr lang="fi-FI" sz="2800" dirty="0">
-                <a:solidFill>
-                  <a:schemeClr val="bg1"/>
-                </a:solidFill>
-              </a:rPr>
-              <a:t> </a:t>
-            </a:r>
-            <a:r>
-              <a:rPr lang="fi-FI" sz="2800" dirty="0" err="1">
-                <a:solidFill>
-                  <a:schemeClr val="bg1"/>
-                </a:solidFill>
-              </a:rPr>
-              <a:t>around</a:t>
-            </a:r>
-            <a:r>
-              <a:rPr lang="fi-FI" sz="2800" dirty="0">
-                <a:solidFill>
-                  <a:schemeClr val="bg1"/>
-                </a:solidFill>
-              </a:rPr>
-              <a:t> </a:t>
-            </a:r>
-            <a:r>
-              <a:rPr lang="fi-FI" sz="2800" dirty="0" err="1">
-                <a:solidFill>
-                  <a:schemeClr val="bg1"/>
-                </a:solidFill>
-              </a:rPr>
-              <a:t>different</a:t>
-            </a:r>
-            <a:r>
-              <a:rPr lang="fi-FI" sz="2800" dirty="0">
-                <a:solidFill>
-                  <a:schemeClr val="bg1"/>
-                </a:solidFill>
-              </a:rPr>
-              <a:t> </a:t>
-            </a:r>
-            <a:r>
-              <a:rPr lang="fi-FI" sz="2800" dirty="0" err="1">
-                <a:solidFill>
-                  <a:schemeClr val="bg1"/>
-                </a:solidFill>
-              </a:rPr>
-              <a:t>contexts</a:t>
-            </a:r>
-            <a:r>
-              <a:rPr lang="fi-FI" sz="2800" dirty="0">
-                <a:solidFill>
-                  <a:schemeClr val="bg1"/>
-                </a:solidFill>
-              </a:rPr>
-              <a:t>.</a:t>
-            </a:r>
-          </a:p>
-        </p:txBody>
-      </p:sp>
-      <p:sp>
-        <p:nvSpPr>
-          <p:cNvPr id="3" name="Suorakulmio 2">
-            <a:extLst>
-              <a:ext uri="{FF2B5EF4-FFF2-40B4-BE49-F238E27FC236}">
-                <a16:creationId xmlns:a16="http://schemas.microsoft.com/office/drawing/2014/main" id="{A2AB158F-6AE6-F143-AE98-9DCEFBF35434}"/>
-              </a:ext>
-            </a:extLst>
-          </p:cNvPr>
-          <p:cNvSpPr/>
-          <p:nvPr/>
-        </p:nvSpPr>
-        <p:spPr>
-          <a:xfrm>
-            <a:off x="1806497" y="2858946"/>
-            <a:ext cx="8318809" cy="646331"/>
-          </a:xfrm>
-          <a:prstGeom prst="rect">
-            <a:avLst/>
-          </a:prstGeom>
-        </p:spPr>
-        <p:txBody>
-          <a:bodyPr wrap="square">
-            <a:spAutoFit/>
-          </a:bodyPr>
-          <a:lstStyle/>
-          <a:p>
-            <a:pPr algn="ctr"/>
-            <a:r>
-              <a:rPr lang="fi-FI" dirty="0" err="1">
-                <a:solidFill>
-                  <a:schemeClr val="bg1"/>
-                </a:solidFill>
-              </a:rPr>
-              <a:t>Pareto</a:t>
-            </a:r>
-            <a:r>
-              <a:rPr lang="fi-FI" dirty="0">
-                <a:solidFill>
-                  <a:schemeClr val="bg1"/>
-                </a:solidFill>
-              </a:rPr>
-              <a:t> </a:t>
-            </a:r>
-            <a:r>
-              <a:rPr lang="fi-FI" dirty="0" err="1">
-                <a:solidFill>
-                  <a:schemeClr val="bg1"/>
-                </a:solidFill>
-              </a:rPr>
-              <a:t>principle</a:t>
-            </a:r>
-            <a:r>
-              <a:rPr lang="fi-FI" dirty="0">
-                <a:solidFill>
-                  <a:schemeClr val="bg1"/>
-                </a:solidFill>
-              </a:rPr>
-              <a:t>, </a:t>
-            </a:r>
-            <a:r>
-              <a:rPr lang="fi-FI" dirty="0" err="1">
-                <a:solidFill>
-                  <a:schemeClr val="bg1"/>
-                </a:solidFill>
-              </a:rPr>
-              <a:t>aka</a:t>
-            </a:r>
-            <a:r>
-              <a:rPr lang="fi-FI" dirty="0">
-                <a:solidFill>
-                  <a:schemeClr val="bg1"/>
-                </a:solidFill>
-              </a:rPr>
-              <a:t> </a:t>
-            </a:r>
-            <a:r>
-              <a:rPr lang="fi-FI" dirty="0" err="1">
-                <a:solidFill>
-                  <a:schemeClr val="bg1"/>
-                </a:solidFill>
-              </a:rPr>
-              <a:t>the</a:t>
-            </a:r>
-            <a:r>
-              <a:rPr lang="fi-FI" dirty="0">
-                <a:solidFill>
-                  <a:schemeClr val="bg1"/>
-                </a:solidFill>
-              </a:rPr>
-              <a:t> </a:t>
-            </a:r>
-            <a:r>
-              <a:rPr lang="fi-FI" dirty="0" err="1">
-                <a:solidFill>
-                  <a:schemeClr val="bg1"/>
-                </a:solidFill>
-              </a:rPr>
-              <a:t>law</a:t>
-            </a:r>
-            <a:r>
-              <a:rPr lang="fi-FI" dirty="0">
-                <a:solidFill>
-                  <a:schemeClr val="bg1"/>
-                </a:solidFill>
-              </a:rPr>
-              <a:t> of </a:t>
-            </a:r>
-            <a:r>
-              <a:rPr lang="fi-FI" dirty="0" err="1">
-                <a:solidFill>
-                  <a:schemeClr val="bg1"/>
-                </a:solidFill>
-              </a:rPr>
-              <a:t>the</a:t>
-            </a:r>
-            <a:r>
-              <a:rPr lang="fi-FI" dirty="0">
-                <a:solidFill>
-                  <a:schemeClr val="bg1"/>
-                </a:solidFill>
-              </a:rPr>
-              <a:t> </a:t>
-            </a:r>
-            <a:r>
-              <a:rPr lang="fi-FI" dirty="0" err="1">
-                <a:solidFill>
-                  <a:schemeClr val="bg1"/>
-                </a:solidFill>
-              </a:rPr>
-              <a:t>vital</a:t>
-            </a:r>
-            <a:r>
-              <a:rPr lang="fi-FI" dirty="0">
-                <a:solidFill>
-                  <a:schemeClr val="bg1"/>
-                </a:solidFill>
-              </a:rPr>
-              <a:t> </a:t>
-            </a:r>
-            <a:r>
-              <a:rPr lang="fi-FI" dirty="0" err="1">
-                <a:solidFill>
-                  <a:schemeClr val="bg1"/>
-                </a:solidFill>
-              </a:rPr>
-              <a:t>few</a:t>
-            </a:r>
-            <a:r>
-              <a:rPr lang="fi-FI" dirty="0">
-                <a:solidFill>
-                  <a:schemeClr val="bg1"/>
-                </a:solidFill>
-              </a:rPr>
-              <a:t>, </a:t>
-            </a:r>
-            <a:r>
-              <a:rPr lang="fi-FI" dirty="0" err="1">
-                <a:solidFill>
-                  <a:schemeClr val="bg1"/>
-                </a:solidFill>
-              </a:rPr>
-              <a:t>or</a:t>
-            </a:r>
-            <a:r>
-              <a:rPr lang="fi-FI" dirty="0">
-                <a:solidFill>
-                  <a:schemeClr val="bg1"/>
-                </a:solidFill>
-              </a:rPr>
-              <a:t> </a:t>
-            </a:r>
-            <a:r>
-              <a:rPr lang="fi-FI" dirty="0" err="1">
-                <a:solidFill>
-                  <a:schemeClr val="bg1"/>
-                </a:solidFill>
-              </a:rPr>
-              <a:t>the</a:t>
-            </a:r>
-            <a:r>
-              <a:rPr lang="fi-FI" dirty="0">
-                <a:solidFill>
-                  <a:schemeClr val="bg1"/>
-                </a:solidFill>
-              </a:rPr>
-              <a:t> </a:t>
-            </a:r>
-            <a:r>
-              <a:rPr lang="fi-FI" dirty="0" err="1">
-                <a:solidFill>
-                  <a:schemeClr val="bg1"/>
-                </a:solidFill>
-              </a:rPr>
-              <a:t>principle</a:t>
-            </a:r>
-            <a:r>
-              <a:rPr lang="fi-FI" dirty="0">
-                <a:solidFill>
-                  <a:schemeClr val="bg1"/>
-                </a:solidFill>
-              </a:rPr>
-              <a:t> of </a:t>
-            </a:r>
-            <a:r>
-              <a:rPr lang="fi-FI" dirty="0" err="1">
-                <a:solidFill>
-                  <a:schemeClr val="bg1"/>
-                </a:solidFill>
-              </a:rPr>
-              <a:t>factor</a:t>
-            </a:r>
-            <a:r>
-              <a:rPr lang="fi-FI" dirty="0">
-                <a:solidFill>
-                  <a:schemeClr val="bg1"/>
-                </a:solidFill>
-              </a:rPr>
-              <a:t> </a:t>
-            </a:r>
-            <a:r>
-              <a:rPr lang="fi-FI" dirty="0" err="1">
-                <a:solidFill>
-                  <a:schemeClr val="bg1"/>
-                </a:solidFill>
-              </a:rPr>
-              <a:t>sparsity</a:t>
-            </a:r>
-            <a:endParaRPr lang="fi-FI" dirty="0">
+              <a:rPr lang="fi-FI" sz="5400" b="1" dirty="0" err="1">
+                <a:solidFill>
+                  <a:schemeClr val="bg1"/>
+                </a:solidFill>
+              </a:rPr>
+              <a:t>Continue</a:t>
+            </a:r>
+            <a:r>
+              <a:rPr lang="fi-FI" sz="5400" b="1" dirty="0">
+                <a:solidFill>
+                  <a:schemeClr val="bg1"/>
+                </a:solidFill>
+              </a:rPr>
+              <a:t> </a:t>
+            </a:r>
+            <a:r>
+              <a:rPr lang="fi-FI" sz="5400" b="1" dirty="0" err="1">
+                <a:solidFill>
+                  <a:schemeClr val="bg1"/>
+                </a:solidFill>
+              </a:rPr>
+              <a:t>discussion</a:t>
+            </a:r>
+            <a:r>
+              <a:rPr lang="fi-FI" sz="5400" b="1" dirty="0">
+                <a:solidFill>
+                  <a:schemeClr val="bg1"/>
+                </a:solidFill>
+              </a:rPr>
+              <a:t> and </a:t>
+            </a:r>
+            <a:r>
+              <a:rPr lang="fi-FI" sz="5400" b="1" dirty="0" err="1">
+                <a:solidFill>
+                  <a:schemeClr val="bg1"/>
+                </a:solidFill>
+              </a:rPr>
+              <a:t>participate</a:t>
+            </a:r>
+            <a:endParaRPr lang="fi-FI" sz="5400" b="1" dirty="0">
               <a:solidFill>
                 <a:schemeClr val="bg1"/>
               </a:solidFill>
             </a:endParaRPr>
-          </a:p>
-          <a:p>
-            <a:pPr algn="ctr"/>
-            <a:r>
-              <a:rPr lang="fi-FI" dirty="0">
-                <a:solidFill>
-                  <a:schemeClr val="bg1"/>
-                </a:solidFill>
-              </a:rPr>
-              <a:t>“</a:t>
-            </a:r>
-            <a:r>
-              <a:rPr lang="fi-FI" dirty="0" err="1">
-                <a:solidFill>
-                  <a:schemeClr val="bg1"/>
-                </a:solidFill>
-              </a:rPr>
-              <a:t>universal</a:t>
-            </a:r>
-            <a:r>
-              <a:rPr lang="fi-FI" dirty="0">
-                <a:solidFill>
-                  <a:schemeClr val="bg1"/>
-                </a:solidFill>
-              </a:rPr>
-              <a:t> </a:t>
-            </a:r>
-            <a:r>
-              <a:rPr lang="fi-FI" dirty="0" err="1">
-                <a:solidFill>
-                  <a:schemeClr val="bg1"/>
-                </a:solidFill>
-              </a:rPr>
-              <a:t>truth</a:t>
-            </a:r>
-            <a:r>
-              <a:rPr lang="fi-FI" dirty="0">
-                <a:solidFill>
-                  <a:schemeClr val="bg1"/>
-                </a:solidFill>
-              </a:rPr>
-              <a:t>” </a:t>
-            </a:r>
-            <a:r>
-              <a:rPr lang="fi-FI" dirty="0" err="1">
-                <a:solidFill>
-                  <a:schemeClr val="bg1"/>
-                </a:solidFill>
-              </a:rPr>
-              <a:t>about</a:t>
-            </a:r>
-            <a:r>
-              <a:rPr lang="fi-FI" dirty="0">
-                <a:solidFill>
-                  <a:schemeClr val="bg1"/>
-                </a:solidFill>
-              </a:rPr>
-              <a:t> </a:t>
-            </a:r>
-            <a:r>
-              <a:rPr lang="fi-FI" dirty="0" err="1">
-                <a:solidFill>
-                  <a:schemeClr val="bg1"/>
-                </a:solidFill>
-              </a:rPr>
-              <a:t>the</a:t>
-            </a:r>
-            <a:r>
-              <a:rPr lang="fi-FI" dirty="0">
-                <a:solidFill>
-                  <a:schemeClr val="bg1"/>
-                </a:solidFill>
-              </a:rPr>
-              <a:t> </a:t>
-            </a:r>
-            <a:r>
-              <a:rPr lang="fi-FI" dirty="0" err="1">
-                <a:solidFill>
-                  <a:schemeClr val="bg1"/>
-                </a:solidFill>
-              </a:rPr>
-              <a:t>imbalance</a:t>
-            </a:r>
-            <a:r>
-              <a:rPr lang="fi-FI" dirty="0">
-                <a:solidFill>
-                  <a:schemeClr val="bg1"/>
-                </a:solidFill>
-              </a:rPr>
-              <a:t> of </a:t>
-            </a:r>
-            <a:r>
-              <a:rPr lang="fi-FI" dirty="0" err="1">
-                <a:solidFill>
-                  <a:schemeClr val="bg1"/>
-                </a:solidFill>
-              </a:rPr>
-              <a:t>inputs</a:t>
-            </a:r>
-            <a:r>
-              <a:rPr lang="fi-FI" dirty="0">
-                <a:solidFill>
-                  <a:schemeClr val="bg1"/>
-                </a:solidFill>
-              </a:rPr>
-              <a:t> and </a:t>
-            </a:r>
-            <a:r>
-              <a:rPr lang="fi-FI" dirty="0" err="1">
-                <a:solidFill>
-                  <a:schemeClr val="bg1"/>
-                </a:solidFill>
-              </a:rPr>
-              <a:t>outputs</a:t>
-            </a:r>
-            <a:r>
-              <a:rPr lang="fi-FI" dirty="0">
-                <a:solidFill>
-                  <a:schemeClr val="bg1"/>
-                </a:solidFill>
-              </a:rPr>
-              <a:t> is </a:t>
-            </a:r>
           </a:p>
         </p:txBody>
       </p:sp>
     </p:spTree>
     <p:extLst>
       <p:ext uri="{BB962C8B-B14F-4D97-AF65-F5344CB8AC3E}">
-        <p14:creationId xmlns:p14="http://schemas.microsoft.com/office/powerpoint/2010/main" val="3704599384"/>
+        <p14:creationId xmlns:p14="http://schemas.microsoft.com/office/powerpoint/2010/main" val="1143311630"/>
       </p:ext>
     </p:extLst>
   </p:cSld>
@@ -12152,7 +11900,7 @@
     </p:spTree>
     <p:extLst>
       <p:ext uri="{BB962C8B-B14F-4D97-AF65-F5344CB8AC3E}">
-        <p14:creationId xmlns:p14="http://schemas.microsoft.com/office/powerpoint/2010/main" val="1143311630"/>
+        <p14:creationId xmlns:p14="http://schemas.microsoft.com/office/powerpoint/2010/main" val="4241850562"/>
       </p:ext>
     </p:extLst>
   </p:cSld>
@@ -12163,6 +11911,1573 @@
 </file>
 
 <file path=ppt/slides/slide4.xml><?xml version="1.0" encoding="utf-8"?>
+<p:sld xmlns:a="http://schemas.openxmlformats.org/drawingml/2006/main" xmlns:r="http://schemas.openxmlformats.org/officeDocument/2006/relationships" xmlns:p="http://schemas.openxmlformats.org/presentationml/2006/main">
+  <p:cSld>
+    <p:bg>
+      <p:bgPr>
+        <a:solidFill>
+          <a:schemeClr val="tx1"/>
+        </a:solidFill>
+        <a:effectLst/>
+      </p:bgPr>
+    </p:bg>
+    <p:spTree>
+      <p:nvGrpSpPr>
+        <p:cNvPr id="1" name=""/>
+        <p:cNvGrpSpPr/>
+        <p:nvPr/>
+      </p:nvGrpSpPr>
+      <p:grpSpPr>
+        <a:xfrm>
+          <a:off x="0" y="0"/>
+          <a:ext cx="0" cy="0"/>
+          <a:chOff x="0" y="0"/>
+          <a:chExt cx="0" cy="0"/>
+        </a:xfrm>
+      </p:grpSpPr>
+      <p:sp>
+        <p:nvSpPr>
+          <p:cNvPr id="10" name="Otsikko 1">
+            <a:extLst>
+              <a:ext uri="{FF2B5EF4-FFF2-40B4-BE49-F238E27FC236}">
+                <a16:creationId xmlns:a16="http://schemas.microsoft.com/office/drawing/2014/main" id="{2E6D5F2F-5AA7-024C-8BD8-87B73B40DBC9}"/>
+              </a:ext>
+            </a:extLst>
+          </p:cNvPr>
+          <p:cNvSpPr txBox="1">
+            <a:spLocks/>
+          </p:cNvSpPr>
+          <p:nvPr/>
+        </p:nvSpPr>
+        <p:spPr>
+          <a:xfrm>
+            <a:off x="0" y="6487297"/>
+            <a:ext cx="12192000" cy="370703"/>
+          </a:xfrm>
+          <a:prstGeom prst="rect">
+            <a:avLst/>
+          </a:prstGeom>
+          <a:solidFill>
+            <a:schemeClr val="tx1">
+              <a:lumMod val="85000"/>
+              <a:lumOff val="15000"/>
+            </a:schemeClr>
+          </a:solidFill>
+        </p:spPr>
+        <p:txBody>
+          <a:bodyPr vert="horz" lIns="91440" tIns="45720" rIns="91440" bIns="45720" rtlCol="0" anchor="ctr">
+            <a:normAutofit/>
+          </a:bodyPr>
+          <a:lstStyle>
+            <a:lvl1pPr algn="l" defTabSz="914400" rtl="0" eaLnBrk="1" latinLnBrk="0" hangingPunct="1">
+              <a:lnSpc>
+                <a:spcPct val="90000"/>
+              </a:lnSpc>
+              <a:spcBef>
+                <a:spcPct val="0"/>
+              </a:spcBef>
+              <a:buNone/>
+              <a:defRPr sz="4400" kern="1200">
+                <a:solidFill>
+                  <a:schemeClr val="tx1"/>
+                </a:solidFill>
+                <a:latin typeface="+mj-lt"/>
+                <a:ea typeface="+mj-ea"/>
+                <a:cs typeface="+mj-cs"/>
+              </a:defRPr>
+            </a:lvl1pPr>
+          </a:lstStyle>
+          <a:p>
+            <a:pPr algn="ctr"/>
+            <a:r>
+              <a:rPr lang="fi-FI" sz="1800" dirty="0">
+                <a:solidFill>
+                  <a:schemeClr val="bg1"/>
+                </a:solidFill>
+              </a:rPr>
+              <a:t>DX Doctor – dxdoctor.net – Jarkko Moilanen @Jarkko_Moilanen</a:t>
+            </a:r>
+          </a:p>
+        </p:txBody>
+      </p:sp>
+      <p:sp>
+        <p:nvSpPr>
+          <p:cNvPr id="26" name="Suorakulmio 25">
+            <a:extLst>
+              <a:ext uri="{FF2B5EF4-FFF2-40B4-BE49-F238E27FC236}">
+                <a16:creationId xmlns:a16="http://schemas.microsoft.com/office/drawing/2014/main" id="{D203DA5C-E8DA-D14F-BB56-7CC0A8E43F4D}"/>
+              </a:ext>
+            </a:extLst>
+          </p:cNvPr>
+          <p:cNvSpPr/>
+          <p:nvPr/>
+        </p:nvSpPr>
+        <p:spPr>
+          <a:xfrm>
+            <a:off x="442076" y="-4489"/>
+            <a:ext cx="11456276" cy="3154710"/>
+          </a:xfrm>
+          <a:prstGeom prst="rect">
+            <a:avLst/>
+          </a:prstGeom>
+        </p:spPr>
+        <p:txBody>
+          <a:bodyPr wrap="square">
+            <a:spAutoFit/>
+          </a:bodyPr>
+          <a:lstStyle/>
+          <a:p>
+            <a:pPr algn="ctr"/>
+            <a:r>
+              <a:rPr lang="fi-FI" sz="19900" dirty="0">
+                <a:solidFill>
+                  <a:schemeClr val="bg1"/>
+                </a:solidFill>
+              </a:rPr>
+              <a:t>80/20</a:t>
+            </a:r>
+          </a:p>
+        </p:txBody>
+      </p:sp>
+      <p:sp>
+        <p:nvSpPr>
+          <p:cNvPr id="2" name="Suorakulmio 1">
+            <a:extLst>
+              <a:ext uri="{FF2B5EF4-FFF2-40B4-BE49-F238E27FC236}">
+                <a16:creationId xmlns:a16="http://schemas.microsoft.com/office/drawing/2014/main" id="{6AFBC7AE-DB7D-3443-BB0B-10DC41E8D98D}"/>
+              </a:ext>
+            </a:extLst>
+          </p:cNvPr>
+          <p:cNvSpPr/>
+          <p:nvPr/>
+        </p:nvSpPr>
+        <p:spPr>
+          <a:xfrm>
+            <a:off x="1107687" y="3695814"/>
+            <a:ext cx="9932019" cy="1815882"/>
+          </a:xfrm>
+          <a:prstGeom prst="rect">
+            <a:avLst/>
+          </a:prstGeom>
+        </p:spPr>
+        <p:txBody>
+          <a:bodyPr wrap="square">
+            <a:spAutoFit/>
+          </a:bodyPr>
+          <a:lstStyle/>
+          <a:p>
+            <a:pPr algn="ctr"/>
+            <a:r>
+              <a:rPr lang="fi-FI" sz="2800" dirty="0">
+                <a:solidFill>
+                  <a:schemeClr val="bg1"/>
+                </a:solidFill>
+              </a:rPr>
+              <a:t>It is </a:t>
+            </a:r>
+            <a:r>
+              <a:rPr lang="fi-FI" sz="2800" dirty="0" err="1">
+                <a:solidFill>
+                  <a:schemeClr val="bg1"/>
+                </a:solidFill>
+              </a:rPr>
+              <a:t>named</a:t>
+            </a:r>
+            <a:r>
+              <a:rPr lang="fi-FI" sz="2800" dirty="0">
+                <a:solidFill>
+                  <a:schemeClr val="bg1"/>
+                </a:solidFill>
+              </a:rPr>
+              <a:t> </a:t>
+            </a:r>
+            <a:r>
+              <a:rPr lang="fi-FI" sz="2800" dirty="0" err="1">
+                <a:solidFill>
+                  <a:schemeClr val="bg1"/>
+                </a:solidFill>
+              </a:rPr>
+              <a:t>after</a:t>
+            </a:r>
+            <a:r>
+              <a:rPr lang="fi-FI" sz="2800" dirty="0">
+                <a:solidFill>
+                  <a:schemeClr val="bg1"/>
+                </a:solidFill>
+              </a:rPr>
+              <a:t> an Italian Economist </a:t>
+            </a:r>
+            <a:r>
+              <a:rPr lang="fi-FI" sz="2800" dirty="0" err="1">
+                <a:solidFill>
+                  <a:schemeClr val="bg1"/>
+                </a:solidFill>
+              </a:rPr>
+              <a:t>Vilfredo</a:t>
+            </a:r>
+            <a:r>
+              <a:rPr lang="fi-FI" sz="2800" dirty="0">
+                <a:solidFill>
+                  <a:schemeClr val="bg1"/>
+                </a:solidFill>
+              </a:rPr>
+              <a:t> </a:t>
+            </a:r>
+            <a:r>
+              <a:rPr lang="fi-FI" sz="2800" dirty="0" err="1">
+                <a:solidFill>
+                  <a:schemeClr val="bg1"/>
+                </a:solidFill>
+              </a:rPr>
+              <a:t>Pareto</a:t>
+            </a:r>
+            <a:r>
+              <a:rPr lang="fi-FI" sz="2800" dirty="0">
+                <a:solidFill>
+                  <a:schemeClr val="bg1"/>
+                </a:solidFill>
+              </a:rPr>
+              <a:t> </a:t>
+            </a:r>
+            <a:r>
+              <a:rPr lang="fi-FI" sz="2800" dirty="0" err="1">
+                <a:solidFill>
+                  <a:schemeClr val="bg1"/>
+                </a:solidFill>
+              </a:rPr>
+              <a:t>who</a:t>
+            </a:r>
+            <a:r>
+              <a:rPr lang="fi-FI" sz="2800" dirty="0">
+                <a:solidFill>
+                  <a:schemeClr val="bg1"/>
+                </a:solidFill>
+              </a:rPr>
+              <a:t> in 1906 </a:t>
+            </a:r>
+            <a:r>
+              <a:rPr lang="fi-FI" sz="2800" dirty="0" err="1">
+                <a:solidFill>
+                  <a:schemeClr val="bg1"/>
+                </a:solidFill>
+              </a:rPr>
+              <a:t>noticed</a:t>
+            </a:r>
+            <a:r>
+              <a:rPr lang="fi-FI" sz="2800" dirty="0">
+                <a:solidFill>
+                  <a:schemeClr val="bg1"/>
+                </a:solidFill>
+              </a:rPr>
+              <a:t> </a:t>
+            </a:r>
+            <a:r>
+              <a:rPr lang="fi-FI" sz="2800" dirty="0" err="1">
+                <a:solidFill>
+                  <a:schemeClr val="bg1"/>
+                </a:solidFill>
+              </a:rPr>
+              <a:t>that</a:t>
+            </a:r>
+            <a:r>
+              <a:rPr lang="fi-FI" sz="2800" dirty="0">
+                <a:solidFill>
+                  <a:schemeClr val="bg1"/>
+                </a:solidFill>
+              </a:rPr>
+              <a:t> 80% of </a:t>
+            </a:r>
+            <a:r>
+              <a:rPr lang="fi-FI" sz="2800" dirty="0" err="1">
+                <a:solidFill>
+                  <a:schemeClr val="bg1"/>
+                </a:solidFill>
+              </a:rPr>
+              <a:t>the</a:t>
+            </a:r>
+            <a:r>
+              <a:rPr lang="fi-FI" sz="2800" dirty="0">
+                <a:solidFill>
+                  <a:schemeClr val="bg1"/>
+                </a:solidFill>
+              </a:rPr>
+              <a:t> </a:t>
+            </a:r>
+            <a:r>
+              <a:rPr lang="fi-FI" sz="2800" dirty="0" err="1">
+                <a:solidFill>
+                  <a:schemeClr val="bg1"/>
+                </a:solidFill>
+              </a:rPr>
+              <a:t>land</a:t>
+            </a:r>
+            <a:r>
+              <a:rPr lang="fi-FI" sz="2800" dirty="0">
+                <a:solidFill>
+                  <a:schemeClr val="bg1"/>
+                </a:solidFill>
+              </a:rPr>
+              <a:t> in </a:t>
+            </a:r>
+            <a:r>
+              <a:rPr lang="fi-FI" sz="2800" dirty="0" err="1">
+                <a:solidFill>
+                  <a:schemeClr val="bg1"/>
+                </a:solidFill>
+              </a:rPr>
+              <a:t>Italy</a:t>
+            </a:r>
+            <a:r>
+              <a:rPr lang="fi-FI" sz="2800" dirty="0">
+                <a:solidFill>
+                  <a:schemeClr val="bg1"/>
+                </a:solidFill>
+              </a:rPr>
+              <a:t> </a:t>
+            </a:r>
+            <a:r>
+              <a:rPr lang="fi-FI" sz="2800" dirty="0" err="1">
+                <a:solidFill>
+                  <a:schemeClr val="bg1"/>
+                </a:solidFill>
+              </a:rPr>
+              <a:t>was</a:t>
+            </a:r>
+            <a:r>
+              <a:rPr lang="fi-FI" sz="2800" dirty="0">
+                <a:solidFill>
+                  <a:schemeClr val="bg1"/>
+                </a:solidFill>
+              </a:rPr>
+              <a:t> </a:t>
+            </a:r>
+            <a:r>
+              <a:rPr lang="fi-FI" sz="2800" dirty="0" err="1">
+                <a:solidFill>
+                  <a:schemeClr val="bg1"/>
+                </a:solidFill>
+              </a:rPr>
+              <a:t>owned</a:t>
+            </a:r>
+            <a:r>
+              <a:rPr lang="fi-FI" sz="2800" dirty="0">
+                <a:solidFill>
+                  <a:schemeClr val="bg1"/>
+                </a:solidFill>
+              </a:rPr>
+              <a:t> </a:t>
+            </a:r>
+            <a:r>
+              <a:rPr lang="fi-FI" sz="2800" dirty="0" err="1">
+                <a:solidFill>
+                  <a:schemeClr val="bg1"/>
+                </a:solidFill>
+              </a:rPr>
+              <a:t>by</a:t>
+            </a:r>
+            <a:r>
+              <a:rPr lang="fi-FI" sz="2800" dirty="0">
+                <a:solidFill>
+                  <a:schemeClr val="bg1"/>
+                </a:solidFill>
+              </a:rPr>
+              <a:t> 20% of </a:t>
+            </a:r>
+            <a:r>
+              <a:rPr lang="fi-FI" sz="2800" dirty="0" err="1">
+                <a:solidFill>
+                  <a:schemeClr val="bg1"/>
+                </a:solidFill>
+              </a:rPr>
+              <a:t>the</a:t>
+            </a:r>
+            <a:r>
+              <a:rPr lang="fi-FI" sz="2800" dirty="0">
+                <a:solidFill>
+                  <a:schemeClr val="bg1"/>
+                </a:solidFill>
+              </a:rPr>
+              <a:t> </a:t>
+            </a:r>
+            <a:r>
+              <a:rPr lang="fi-FI" sz="2800" dirty="0" err="1">
+                <a:solidFill>
+                  <a:schemeClr val="bg1"/>
+                </a:solidFill>
+              </a:rPr>
+              <a:t>population</a:t>
+            </a:r>
+            <a:r>
+              <a:rPr lang="fi-FI" sz="2800" dirty="0">
+                <a:solidFill>
+                  <a:schemeClr val="bg1"/>
+                </a:solidFill>
+              </a:rPr>
+              <a:t>. </a:t>
+            </a:r>
+            <a:r>
+              <a:rPr lang="fi-FI" sz="2800" dirty="0" err="1">
+                <a:solidFill>
+                  <a:schemeClr val="bg1"/>
+                </a:solidFill>
+              </a:rPr>
+              <a:t>Pareto</a:t>
+            </a:r>
+            <a:r>
+              <a:rPr lang="fi-FI" sz="2800" dirty="0">
+                <a:solidFill>
+                  <a:schemeClr val="bg1"/>
+                </a:solidFill>
+              </a:rPr>
+              <a:t> </a:t>
+            </a:r>
+            <a:r>
+              <a:rPr lang="fi-FI" sz="2800" dirty="0" err="1">
+                <a:solidFill>
+                  <a:schemeClr val="bg1"/>
+                </a:solidFill>
+              </a:rPr>
+              <a:t>verified</a:t>
+            </a:r>
+            <a:r>
+              <a:rPr lang="fi-FI" sz="2800" dirty="0">
+                <a:solidFill>
+                  <a:schemeClr val="bg1"/>
+                </a:solidFill>
+              </a:rPr>
+              <a:t> </a:t>
+            </a:r>
+            <a:r>
+              <a:rPr lang="fi-FI" sz="2800" dirty="0" err="1">
+                <a:solidFill>
+                  <a:schemeClr val="bg1"/>
+                </a:solidFill>
+              </a:rPr>
+              <a:t>the</a:t>
+            </a:r>
+            <a:r>
+              <a:rPr lang="fi-FI" sz="2800" dirty="0">
+                <a:solidFill>
+                  <a:schemeClr val="bg1"/>
+                </a:solidFill>
+              </a:rPr>
+              <a:t> </a:t>
+            </a:r>
+            <a:r>
+              <a:rPr lang="fi-FI" sz="2800" dirty="0" err="1">
+                <a:solidFill>
+                  <a:schemeClr val="bg1"/>
+                </a:solidFill>
+              </a:rPr>
+              <a:t>principle</a:t>
+            </a:r>
+            <a:r>
+              <a:rPr lang="fi-FI" sz="2800" dirty="0">
+                <a:solidFill>
+                  <a:schemeClr val="bg1"/>
+                </a:solidFill>
+              </a:rPr>
+              <a:t> </a:t>
+            </a:r>
+            <a:r>
+              <a:rPr lang="fi-FI" sz="2800" dirty="0" err="1">
+                <a:solidFill>
+                  <a:schemeClr val="bg1"/>
+                </a:solidFill>
+              </a:rPr>
+              <a:t>with</a:t>
+            </a:r>
+            <a:r>
+              <a:rPr lang="fi-FI" sz="2800" dirty="0">
+                <a:solidFill>
+                  <a:schemeClr val="bg1"/>
+                </a:solidFill>
+              </a:rPr>
+              <a:t> </a:t>
+            </a:r>
+            <a:r>
+              <a:rPr lang="fi-FI" sz="2800" dirty="0" err="1">
+                <a:solidFill>
+                  <a:schemeClr val="bg1"/>
+                </a:solidFill>
+              </a:rPr>
+              <a:t>multiple</a:t>
+            </a:r>
+            <a:r>
+              <a:rPr lang="fi-FI" sz="2800" dirty="0">
+                <a:solidFill>
+                  <a:schemeClr val="bg1"/>
+                </a:solidFill>
+              </a:rPr>
+              <a:t> </a:t>
+            </a:r>
+            <a:r>
+              <a:rPr lang="fi-FI" sz="2800" dirty="0" err="1">
+                <a:solidFill>
+                  <a:schemeClr val="bg1"/>
+                </a:solidFill>
+              </a:rPr>
+              <a:t>tests</a:t>
+            </a:r>
+            <a:r>
+              <a:rPr lang="fi-FI" sz="2800" dirty="0">
+                <a:solidFill>
+                  <a:schemeClr val="bg1"/>
+                </a:solidFill>
+              </a:rPr>
+              <a:t> </a:t>
+            </a:r>
+            <a:r>
+              <a:rPr lang="fi-FI" sz="2800" dirty="0" err="1">
+                <a:solidFill>
+                  <a:schemeClr val="bg1"/>
+                </a:solidFill>
+              </a:rPr>
+              <a:t>around</a:t>
+            </a:r>
+            <a:r>
+              <a:rPr lang="fi-FI" sz="2800" dirty="0">
+                <a:solidFill>
+                  <a:schemeClr val="bg1"/>
+                </a:solidFill>
+              </a:rPr>
+              <a:t> </a:t>
+            </a:r>
+            <a:r>
+              <a:rPr lang="fi-FI" sz="2800" dirty="0" err="1">
+                <a:solidFill>
+                  <a:schemeClr val="bg1"/>
+                </a:solidFill>
+              </a:rPr>
+              <a:t>different</a:t>
+            </a:r>
+            <a:r>
+              <a:rPr lang="fi-FI" sz="2800" dirty="0">
+                <a:solidFill>
+                  <a:schemeClr val="bg1"/>
+                </a:solidFill>
+              </a:rPr>
+              <a:t> </a:t>
+            </a:r>
+            <a:r>
+              <a:rPr lang="fi-FI" sz="2800" dirty="0" err="1">
+                <a:solidFill>
+                  <a:schemeClr val="bg1"/>
+                </a:solidFill>
+              </a:rPr>
+              <a:t>contexts</a:t>
+            </a:r>
+            <a:r>
+              <a:rPr lang="fi-FI" sz="2800" dirty="0">
+                <a:solidFill>
+                  <a:schemeClr val="bg1"/>
+                </a:solidFill>
+              </a:rPr>
+              <a:t>.</a:t>
+            </a:r>
+          </a:p>
+        </p:txBody>
+      </p:sp>
+      <p:sp>
+        <p:nvSpPr>
+          <p:cNvPr id="3" name="Suorakulmio 2">
+            <a:extLst>
+              <a:ext uri="{FF2B5EF4-FFF2-40B4-BE49-F238E27FC236}">
+                <a16:creationId xmlns:a16="http://schemas.microsoft.com/office/drawing/2014/main" id="{A2AB158F-6AE6-F143-AE98-9DCEFBF35434}"/>
+              </a:ext>
+            </a:extLst>
+          </p:cNvPr>
+          <p:cNvSpPr/>
+          <p:nvPr/>
+        </p:nvSpPr>
+        <p:spPr>
+          <a:xfrm>
+            <a:off x="1806497" y="2858946"/>
+            <a:ext cx="8318809" cy="646331"/>
+          </a:xfrm>
+          <a:prstGeom prst="rect">
+            <a:avLst/>
+          </a:prstGeom>
+        </p:spPr>
+        <p:txBody>
+          <a:bodyPr wrap="square">
+            <a:spAutoFit/>
+          </a:bodyPr>
+          <a:lstStyle/>
+          <a:p>
+            <a:pPr algn="ctr"/>
+            <a:r>
+              <a:rPr lang="fi-FI" dirty="0" err="1">
+                <a:solidFill>
+                  <a:schemeClr val="bg1"/>
+                </a:solidFill>
+              </a:rPr>
+              <a:t>Pareto</a:t>
+            </a:r>
+            <a:r>
+              <a:rPr lang="fi-FI" dirty="0">
+                <a:solidFill>
+                  <a:schemeClr val="bg1"/>
+                </a:solidFill>
+              </a:rPr>
+              <a:t> </a:t>
+            </a:r>
+            <a:r>
+              <a:rPr lang="fi-FI" dirty="0" err="1">
+                <a:solidFill>
+                  <a:schemeClr val="bg1"/>
+                </a:solidFill>
+              </a:rPr>
+              <a:t>principle</a:t>
+            </a:r>
+            <a:r>
+              <a:rPr lang="fi-FI" dirty="0">
+                <a:solidFill>
+                  <a:schemeClr val="bg1"/>
+                </a:solidFill>
+              </a:rPr>
+              <a:t>, </a:t>
+            </a:r>
+            <a:r>
+              <a:rPr lang="fi-FI" dirty="0" err="1">
+                <a:solidFill>
+                  <a:schemeClr val="bg1"/>
+                </a:solidFill>
+              </a:rPr>
+              <a:t>aka</a:t>
+            </a:r>
+            <a:r>
+              <a:rPr lang="fi-FI" dirty="0">
+                <a:solidFill>
+                  <a:schemeClr val="bg1"/>
+                </a:solidFill>
+              </a:rPr>
+              <a:t> </a:t>
+            </a:r>
+            <a:r>
+              <a:rPr lang="fi-FI" dirty="0" err="1">
+                <a:solidFill>
+                  <a:schemeClr val="bg1"/>
+                </a:solidFill>
+              </a:rPr>
+              <a:t>the</a:t>
+            </a:r>
+            <a:r>
+              <a:rPr lang="fi-FI" dirty="0">
+                <a:solidFill>
+                  <a:schemeClr val="bg1"/>
+                </a:solidFill>
+              </a:rPr>
+              <a:t> </a:t>
+            </a:r>
+            <a:r>
+              <a:rPr lang="fi-FI" dirty="0" err="1">
+                <a:solidFill>
+                  <a:schemeClr val="bg1"/>
+                </a:solidFill>
+              </a:rPr>
+              <a:t>law</a:t>
+            </a:r>
+            <a:r>
+              <a:rPr lang="fi-FI" dirty="0">
+                <a:solidFill>
+                  <a:schemeClr val="bg1"/>
+                </a:solidFill>
+              </a:rPr>
+              <a:t> of </a:t>
+            </a:r>
+            <a:r>
+              <a:rPr lang="fi-FI" dirty="0" err="1">
+                <a:solidFill>
+                  <a:schemeClr val="bg1"/>
+                </a:solidFill>
+              </a:rPr>
+              <a:t>the</a:t>
+            </a:r>
+            <a:r>
+              <a:rPr lang="fi-FI" dirty="0">
+                <a:solidFill>
+                  <a:schemeClr val="bg1"/>
+                </a:solidFill>
+              </a:rPr>
+              <a:t> </a:t>
+            </a:r>
+            <a:r>
+              <a:rPr lang="fi-FI" dirty="0" err="1">
+                <a:solidFill>
+                  <a:schemeClr val="bg1"/>
+                </a:solidFill>
+              </a:rPr>
+              <a:t>vital</a:t>
+            </a:r>
+            <a:r>
+              <a:rPr lang="fi-FI" dirty="0">
+                <a:solidFill>
+                  <a:schemeClr val="bg1"/>
+                </a:solidFill>
+              </a:rPr>
+              <a:t> </a:t>
+            </a:r>
+            <a:r>
+              <a:rPr lang="fi-FI" dirty="0" err="1">
+                <a:solidFill>
+                  <a:schemeClr val="bg1"/>
+                </a:solidFill>
+              </a:rPr>
+              <a:t>few</a:t>
+            </a:r>
+            <a:r>
+              <a:rPr lang="fi-FI" dirty="0">
+                <a:solidFill>
+                  <a:schemeClr val="bg1"/>
+                </a:solidFill>
+              </a:rPr>
+              <a:t>, </a:t>
+            </a:r>
+            <a:r>
+              <a:rPr lang="fi-FI" dirty="0" err="1">
+                <a:solidFill>
+                  <a:schemeClr val="bg1"/>
+                </a:solidFill>
+              </a:rPr>
+              <a:t>or</a:t>
+            </a:r>
+            <a:r>
+              <a:rPr lang="fi-FI" dirty="0">
+                <a:solidFill>
+                  <a:schemeClr val="bg1"/>
+                </a:solidFill>
+              </a:rPr>
+              <a:t> </a:t>
+            </a:r>
+            <a:r>
+              <a:rPr lang="fi-FI" dirty="0" err="1">
+                <a:solidFill>
+                  <a:schemeClr val="bg1"/>
+                </a:solidFill>
+              </a:rPr>
+              <a:t>the</a:t>
+            </a:r>
+            <a:r>
+              <a:rPr lang="fi-FI" dirty="0">
+                <a:solidFill>
+                  <a:schemeClr val="bg1"/>
+                </a:solidFill>
+              </a:rPr>
+              <a:t> </a:t>
+            </a:r>
+            <a:r>
+              <a:rPr lang="fi-FI" dirty="0" err="1">
+                <a:solidFill>
+                  <a:schemeClr val="bg1"/>
+                </a:solidFill>
+              </a:rPr>
+              <a:t>principle</a:t>
+            </a:r>
+            <a:r>
+              <a:rPr lang="fi-FI" dirty="0">
+                <a:solidFill>
+                  <a:schemeClr val="bg1"/>
+                </a:solidFill>
+              </a:rPr>
+              <a:t> of </a:t>
+            </a:r>
+            <a:r>
+              <a:rPr lang="fi-FI" dirty="0" err="1">
+                <a:solidFill>
+                  <a:schemeClr val="bg1"/>
+                </a:solidFill>
+              </a:rPr>
+              <a:t>factor</a:t>
+            </a:r>
+            <a:r>
+              <a:rPr lang="fi-FI" dirty="0">
+                <a:solidFill>
+                  <a:schemeClr val="bg1"/>
+                </a:solidFill>
+              </a:rPr>
+              <a:t> </a:t>
+            </a:r>
+            <a:r>
+              <a:rPr lang="fi-FI" dirty="0" err="1">
+                <a:solidFill>
+                  <a:schemeClr val="bg1"/>
+                </a:solidFill>
+              </a:rPr>
+              <a:t>sparsity</a:t>
+            </a:r>
+            <a:endParaRPr lang="fi-FI" dirty="0">
+              <a:solidFill>
+                <a:schemeClr val="bg1"/>
+              </a:solidFill>
+            </a:endParaRPr>
+          </a:p>
+          <a:p>
+            <a:pPr algn="ctr"/>
+            <a:r>
+              <a:rPr lang="fi-FI" dirty="0">
+                <a:solidFill>
+                  <a:schemeClr val="bg1"/>
+                </a:solidFill>
+              </a:rPr>
+              <a:t>“</a:t>
+            </a:r>
+            <a:r>
+              <a:rPr lang="fi-FI" dirty="0" err="1">
+                <a:solidFill>
+                  <a:schemeClr val="bg1"/>
+                </a:solidFill>
+              </a:rPr>
+              <a:t>universal</a:t>
+            </a:r>
+            <a:r>
+              <a:rPr lang="fi-FI" dirty="0">
+                <a:solidFill>
+                  <a:schemeClr val="bg1"/>
+                </a:solidFill>
+              </a:rPr>
+              <a:t> </a:t>
+            </a:r>
+            <a:r>
+              <a:rPr lang="fi-FI" dirty="0" err="1">
+                <a:solidFill>
+                  <a:schemeClr val="bg1"/>
+                </a:solidFill>
+              </a:rPr>
+              <a:t>truth</a:t>
+            </a:r>
+            <a:r>
+              <a:rPr lang="fi-FI" dirty="0">
+                <a:solidFill>
+                  <a:schemeClr val="bg1"/>
+                </a:solidFill>
+              </a:rPr>
+              <a:t>” </a:t>
+            </a:r>
+            <a:r>
+              <a:rPr lang="fi-FI" dirty="0" err="1">
+                <a:solidFill>
+                  <a:schemeClr val="bg1"/>
+                </a:solidFill>
+              </a:rPr>
+              <a:t>about</a:t>
+            </a:r>
+            <a:r>
+              <a:rPr lang="fi-FI" dirty="0">
+                <a:solidFill>
+                  <a:schemeClr val="bg1"/>
+                </a:solidFill>
+              </a:rPr>
+              <a:t> </a:t>
+            </a:r>
+            <a:r>
+              <a:rPr lang="fi-FI" dirty="0" err="1">
+                <a:solidFill>
+                  <a:schemeClr val="bg1"/>
+                </a:solidFill>
+              </a:rPr>
+              <a:t>the</a:t>
+            </a:r>
+            <a:r>
+              <a:rPr lang="fi-FI" dirty="0">
+                <a:solidFill>
+                  <a:schemeClr val="bg1"/>
+                </a:solidFill>
+              </a:rPr>
+              <a:t> </a:t>
+            </a:r>
+            <a:r>
+              <a:rPr lang="fi-FI" dirty="0" err="1">
+                <a:solidFill>
+                  <a:schemeClr val="bg1"/>
+                </a:solidFill>
+              </a:rPr>
+              <a:t>imbalance</a:t>
+            </a:r>
+            <a:r>
+              <a:rPr lang="fi-FI" dirty="0">
+                <a:solidFill>
+                  <a:schemeClr val="bg1"/>
+                </a:solidFill>
+              </a:rPr>
+              <a:t> of </a:t>
+            </a:r>
+            <a:r>
+              <a:rPr lang="fi-FI" dirty="0" err="1">
+                <a:solidFill>
+                  <a:schemeClr val="bg1"/>
+                </a:solidFill>
+              </a:rPr>
+              <a:t>inputs</a:t>
+            </a:r>
+            <a:r>
+              <a:rPr lang="fi-FI" dirty="0">
+                <a:solidFill>
+                  <a:schemeClr val="bg1"/>
+                </a:solidFill>
+              </a:rPr>
+              <a:t> and </a:t>
+            </a:r>
+            <a:r>
+              <a:rPr lang="fi-FI" dirty="0" err="1">
+                <a:solidFill>
+                  <a:schemeClr val="bg1"/>
+                </a:solidFill>
+              </a:rPr>
+              <a:t>outputs</a:t>
+            </a:r>
+            <a:r>
+              <a:rPr lang="fi-FI" dirty="0">
+                <a:solidFill>
+                  <a:schemeClr val="bg1"/>
+                </a:solidFill>
+              </a:rPr>
+              <a:t> is </a:t>
+            </a:r>
+          </a:p>
+        </p:txBody>
+      </p:sp>
+    </p:spTree>
+    <p:extLst>
+      <p:ext uri="{BB962C8B-B14F-4D97-AF65-F5344CB8AC3E}">
+        <p14:creationId xmlns:p14="http://schemas.microsoft.com/office/powerpoint/2010/main" val="3704599384"/>
+      </p:ext>
+    </p:extLst>
+  </p:cSld>
+  <p:clrMapOvr>
+    <a:masterClrMapping/>
+  </p:clrMapOvr>
+</p:sld>
+</file>
+
+<file path=ppt/slides/slide5.xml><?xml version="1.0" encoding="utf-8"?>
+<p:sld xmlns:a="http://schemas.openxmlformats.org/drawingml/2006/main" xmlns:r="http://schemas.openxmlformats.org/officeDocument/2006/relationships" xmlns:p="http://schemas.openxmlformats.org/presentationml/2006/main">
+  <p:cSld>
+    <p:bg>
+      <p:bgPr>
+        <a:solidFill>
+          <a:schemeClr val="tx1"/>
+        </a:solidFill>
+        <a:effectLst/>
+      </p:bgPr>
+    </p:bg>
+    <p:spTree>
+      <p:nvGrpSpPr>
+        <p:cNvPr id="1" name=""/>
+        <p:cNvGrpSpPr/>
+        <p:nvPr/>
+      </p:nvGrpSpPr>
+      <p:grpSpPr>
+        <a:xfrm>
+          <a:off x="0" y="0"/>
+          <a:ext cx="0" cy="0"/>
+          <a:chOff x="0" y="0"/>
+          <a:chExt cx="0" cy="0"/>
+        </a:xfrm>
+      </p:grpSpPr>
+      <p:sp>
+        <p:nvSpPr>
+          <p:cNvPr id="8" name="Suorakulmio 7">
+            <a:extLst>
+              <a:ext uri="{FF2B5EF4-FFF2-40B4-BE49-F238E27FC236}">
+                <a16:creationId xmlns:a16="http://schemas.microsoft.com/office/drawing/2014/main" id="{86731D8C-CFCC-A648-8B0C-D6C32E55C019}"/>
+              </a:ext>
+            </a:extLst>
+          </p:cNvPr>
+          <p:cNvSpPr/>
+          <p:nvPr/>
+        </p:nvSpPr>
+        <p:spPr>
+          <a:xfrm>
+            <a:off x="213212" y="4430487"/>
+            <a:ext cx="4805105" cy="1393371"/>
+          </a:xfrm>
+          <a:prstGeom prst="rect">
+            <a:avLst/>
+          </a:prstGeom>
+          <a:solidFill>
+            <a:srgbClr val="FF4201"/>
+          </a:solidFill>
+          <a:ln>
+            <a:noFill/>
+          </a:ln>
+        </p:spPr>
+        <p:style>
+          <a:lnRef idx="2">
+            <a:schemeClr val="accent1">
+              <a:shade val="50000"/>
+            </a:schemeClr>
+          </a:lnRef>
+          <a:fillRef idx="1">
+            <a:schemeClr val="accent1"/>
+          </a:fillRef>
+          <a:effectRef idx="0">
+            <a:schemeClr val="accent1"/>
+          </a:effectRef>
+          <a:fontRef idx="minor">
+            <a:schemeClr val="lt1"/>
+          </a:fontRef>
+        </p:style>
+        <p:txBody>
+          <a:bodyPr rtlCol="0" anchor="ctr"/>
+          <a:lstStyle/>
+          <a:p>
+            <a:pPr algn="ctr"/>
+            <a:endParaRPr lang="fi-FI"/>
+          </a:p>
+        </p:txBody>
+      </p:sp>
+      <p:sp>
+        <p:nvSpPr>
+          <p:cNvPr id="10" name="Otsikko 1">
+            <a:extLst>
+              <a:ext uri="{FF2B5EF4-FFF2-40B4-BE49-F238E27FC236}">
+                <a16:creationId xmlns:a16="http://schemas.microsoft.com/office/drawing/2014/main" id="{2E6D5F2F-5AA7-024C-8BD8-87B73B40DBC9}"/>
+              </a:ext>
+            </a:extLst>
+          </p:cNvPr>
+          <p:cNvSpPr txBox="1">
+            <a:spLocks/>
+          </p:cNvSpPr>
+          <p:nvPr/>
+        </p:nvSpPr>
+        <p:spPr>
+          <a:xfrm>
+            <a:off x="0" y="6487297"/>
+            <a:ext cx="12192000" cy="370703"/>
+          </a:xfrm>
+          <a:prstGeom prst="rect">
+            <a:avLst/>
+          </a:prstGeom>
+          <a:solidFill>
+            <a:schemeClr val="tx1">
+              <a:lumMod val="85000"/>
+              <a:lumOff val="15000"/>
+            </a:schemeClr>
+          </a:solidFill>
+        </p:spPr>
+        <p:txBody>
+          <a:bodyPr vert="horz" lIns="91440" tIns="45720" rIns="91440" bIns="45720" rtlCol="0" anchor="ctr">
+            <a:normAutofit/>
+          </a:bodyPr>
+          <a:lstStyle>
+            <a:lvl1pPr algn="l" defTabSz="914400" rtl="0" eaLnBrk="1" latinLnBrk="0" hangingPunct="1">
+              <a:lnSpc>
+                <a:spcPct val="90000"/>
+              </a:lnSpc>
+              <a:spcBef>
+                <a:spcPct val="0"/>
+              </a:spcBef>
+              <a:buNone/>
+              <a:defRPr sz="4400" kern="1200">
+                <a:solidFill>
+                  <a:schemeClr val="tx1"/>
+                </a:solidFill>
+                <a:latin typeface="+mj-lt"/>
+                <a:ea typeface="+mj-ea"/>
+                <a:cs typeface="+mj-cs"/>
+              </a:defRPr>
+            </a:lvl1pPr>
+          </a:lstStyle>
+          <a:p>
+            <a:pPr algn="ctr"/>
+            <a:r>
+              <a:rPr lang="fi-FI" sz="1800" dirty="0">
+                <a:solidFill>
+                  <a:schemeClr val="bg1"/>
+                </a:solidFill>
+              </a:rPr>
+              <a:t>DX Doctor – dxdoctor.net – Jarkko Moilanen @Jarkko_Moilanen</a:t>
+            </a:r>
+          </a:p>
+        </p:txBody>
+      </p:sp>
+      <p:sp>
+        <p:nvSpPr>
+          <p:cNvPr id="26" name="Suorakulmio 25">
+            <a:extLst>
+              <a:ext uri="{FF2B5EF4-FFF2-40B4-BE49-F238E27FC236}">
+                <a16:creationId xmlns:a16="http://schemas.microsoft.com/office/drawing/2014/main" id="{D203DA5C-E8DA-D14F-BB56-7CC0A8E43F4D}"/>
+              </a:ext>
+            </a:extLst>
+          </p:cNvPr>
+          <p:cNvSpPr/>
+          <p:nvPr/>
+        </p:nvSpPr>
+        <p:spPr>
+          <a:xfrm>
+            <a:off x="147896" y="1658804"/>
+            <a:ext cx="4979276" cy="4031873"/>
+          </a:xfrm>
+          <a:prstGeom prst="rect">
+            <a:avLst/>
+          </a:prstGeom>
+        </p:spPr>
+        <p:txBody>
+          <a:bodyPr wrap="square">
+            <a:spAutoFit/>
+          </a:bodyPr>
+          <a:lstStyle/>
+          <a:p>
+            <a:pPr algn="ctr"/>
+            <a:r>
+              <a:rPr lang="fi-FI" sz="3200" dirty="0" err="1">
+                <a:solidFill>
+                  <a:schemeClr val="bg1"/>
+                </a:solidFill>
+              </a:rPr>
+              <a:t>also</a:t>
+            </a:r>
+            <a:r>
+              <a:rPr lang="fi-FI" sz="3200" dirty="0">
+                <a:solidFill>
+                  <a:schemeClr val="bg1"/>
+                </a:solidFill>
+              </a:rPr>
+              <a:t> </a:t>
+            </a:r>
+            <a:r>
+              <a:rPr lang="fi-FI" sz="3200" dirty="0" err="1">
+                <a:solidFill>
+                  <a:schemeClr val="bg1"/>
+                </a:solidFill>
+              </a:rPr>
+              <a:t>known</a:t>
+            </a:r>
+            <a:r>
+              <a:rPr lang="fi-FI" sz="3200" dirty="0">
+                <a:solidFill>
+                  <a:schemeClr val="bg1"/>
+                </a:solidFill>
+              </a:rPr>
+              <a:t> as the </a:t>
+            </a:r>
+            <a:r>
+              <a:rPr lang="fi-FI" sz="3200" b="1" dirty="0">
+                <a:solidFill>
+                  <a:schemeClr val="bg1"/>
+                </a:solidFill>
+              </a:rPr>
+              <a:t>80/20 </a:t>
+            </a:r>
+            <a:r>
+              <a:rPr lang="fi-FI" sz="3200" b="1" dirty="0" err="1">
+                <a:solidFill>
+                  <a:schemeClr val="bg1"/>
+                </a:solidFill>
+              </a:rPr>
+              <a:t>rule</a:t>
+            </a:r>
+            <a:r>
+              <a:rPr lang="fi-FI" sz="3200" dirty="0">
+                <a:solidFill>
+                  <a:schemeClr val="bg1"/>
+                </a:solidFill>
+              </a:rPr>
+              <a:t>, the </a:t>
+            </a:r>
+            <a:r>
+              <a:rPr lang="fi-FI" sz="3200" b="1" dirty="0" err="1">
+                <a:solidFill>
+                  <a:schemeClr val="bg1"/>
+                </a:solidFill>
+              </a:rPr>
+              <a:t>law</a:t>
+            </a:r>
+            <a:r>
+              <a:rPr lang="fi-FI" sz="3200" b="1" dirty="0">
+                <a:solidFill>
+                  <a:schemeClr val="bg1"/>
+                </a:solidFill>
+              </a:rPr>
+              <a:t> of the </a:t>
+            </a:r>
+            <a:r>
+              <a:rPr lang="fi-FI" sz="3200" b="1" dirty="0" err="1">
+                <a:solidFill>
+                  <a:schemeClr val="bg1"/>
+                </a:solidFill>
+              </a:rPr>
+              <a:t>vital</a:t>
+            </a:r>
+            <a:r>
+              <a:rPr lang="fi-FI" sz="3200" b="1" dirty="0">
+                <a:solidFill>
+                  <a:schemeClr val="bg1"/>
+                </a:solidFill>
+              </a:rPr>
+              <a:t> few,</a:t>
+            </a:r>
+            <a:r>
+              <a:rPr lang="fi-FI" sz="3200" dirty="0">
+                <a:solidFill>
+                  <a:schemeClr val="bg1"/>
+                </a:solidFill>
+              </a:rPr>
+              <a:t> or the </a:t>
+            </a:r>
+            <a:r>
+              <a:rPr lang="fi-FI" sz="3200" b="1" dirty="0" err="1">
+                <a:solidFill>
+                  <a:schemeClr val="bg1"/>
+                </a:solidFill>
+              </a:rPr>
+              <a:t>principle</a:t>
+            </a:r>
+            <a:r>
+              <a:rPr lang="fi-FI" sz="3200" b="1" dirty="0">
+                <a:solidFill>
+                  <a:schemeClr val="bg1"/>
+                </a:solidFill>
+              </a:rPr>
+              <a:t> of </a:t>
+            </a:r>
+            <a:r>
+              <a:rPr lang="fi-FI" sz="3200" b="1" dirty="0" err="1">
+                <a:solidFill>
+                  <a:schemeClr val="bg1"/>
+                </a:solidFill>
+              </a:rPr>
+              <a:t>factor</a:t>
+            </a:r>
+            <a:r>
+              <a:rPr lang="fi-FI" sz="3200" b="1" dirty="0">
+                <a:solidFill>
+                  <a:schemeClr val="bg1"/>
+                </a:solidFill>
+              </a:rPr>
+              <a:t> </a:t>
+            </a:r>
+            <a:r>
+              <a:rPr lang="fi-FI" sz="3200" b="1" dirty="0" err="1">
+                <a:solidFill>
+                  <a:schemeClr val="bg1"/>
+                </a:solidFill>
+              </a:rPr>
+              <a:t>sparsity</a:t>
+            </a:r>
+            <a:r>
+              <a:rPr lang="fi-FI" sz="3200" dirty="0">
+                <a:solidFill>
+                  <a:schemeClr val="bg1"/>
+                </a:solidFill>
+              </a:rPr>
+              <a:t>) </a:t>
+            </a:r>
+            <a:r>
+              <a:rPr lang="fi-FI" sz="3200" dirty="0" err="1">
+                <a:solidFill>
+                  <a:schemeClr val="bg1"/>
+                </a:solidFill>
+              </a:rPr>
+              <a:t>states</a:t>
+            </a:r>
+            <a:r>
+              <a:rPr lang="fi-FI" sz="3200" dirty="0">
+                <a:solidFill>
+                  <a:schemeClr val="bg1"/>
+                </a:solidFill>
+              </a:rPr>
+              <a:t> that, for </a:t>
+            </a:r>
+            <a:r>
+              <a:rPr lang="fi-FI" sz="3200" dirty="0" err="1">
+                <a:solidFill>
+                  <a:schemeClr val="bg1"/>
+                </a:solidFill>
+              </a:rPr>
+              <a:t>many</a:t>
+            </a:r>
+            <a:r>
+              <a:rPr lang="fi-FI" sz="3200" dirty="0">
+                <a:solidFill>
+                  <a:schemeClr val="bg1"/>
+                </a:solidFill>
+              </a:rPr>
+              <a:t> </a:t>
+            </a:r>
+            <a:r>
+              <a:rPr lang="fi-FI" sz="3200" dirty="0" err="1">
+                <a:solidFill>
+                  <a:schemeClr val="bg1"/>
+                </a:solidFill>
+              </a:rPr>
+              <a:t>events</a:t>
+            </a:r>
+            <a:r>
+              <a:rPr lang="fi-FI" sz="3200" dirty="0">
+                <a:solidFill>
+                  <a:schemeClr val="bg1"/>
+                </a:solidFill>
+              </a:rPr>
+              <a:t>, </a:t>
+            </a:r>
+            <a:r>
+              <a:rPr lang="fi-FI" sz="3200" dirty="0" err="1">
+                <a:solidFill>
+                  <a:schemeClr val="bg1"/>
+                </a:solidFill>
+              </a:rPr>
+              <a:t>roughly</a:t>
+            </a:r>
+            <a:r>
+              <a:rPr lang="fi-FI" sz="3200" dirty="0">
+                <a:solidFill>
+                  <a:schemeClr val="bg1"/>
+                </a:solidFill>
+              </a:rPr>
+              <a:t> </a:t>
+            </a:r>
+          </a:p>
+          <a:p>
+            <a:pPr algn="ctr"/>
+            <a:endParaRPr lang="fi-FI" sz="3200" dirty="0">
+              <a:solidFill>
+                <a:schemeClr val="bg1"/>
+              </a:solidFill>
+            </a:endParaRPr>
+          </a:p>
+          <a:p>
+            <a:pPr algn="ctr"/>
+            <a:r>
+              <a:rPr lang="fi-FI" sz="3200" dirty="0">
+                <a:solidFill>
+                  <a:schemeClr val="bg1"/>
+                </a:solidFill>
+              </a:rPr>
+              <a:t>80% of the </a:t>
+            </a:r>
+            <a:r>
+              <a:rPr lang="fi-FI" sz="3200" dirty="0" err="1">
+                <a:solidFill>
+                  <a:schemeClr val="bg1"/>
+                </a:solidFill>
+              </a:rPr>
+              <a:t>effects</a:t>
+            </a:r>
+            <a:r>
+              <a:rPr lang="fi-FI" sz="3200" dirty="0">
+                <a:solidFill>
+                  <a:schemeClr val="bg1"/>
+                </a:solidFill>
+              </a:rPr>
+              <a:t> </a:t>
+            </a:r>
+            <a:r>
+              <a:rPr lang="fi-FI" sz="3200" dirty="0" err="1">
+                <a:solidFill>
+                  <a:schemeClr val="bg1"/>
+                </a:solidFill>
+              </a:rPr>
+              <a:t>come</a:t>
+            </a:r>
+            <a:r>
+              <a:rPr lang="fi-FI" sz="3200" dirty="0">
+                <a:solidFill>
+                  <a:schemeClr val="bg1"/>
+                </a:solidFill>
+              </a:rPr>
+              <a:t> from 20% of the </a:t>
+            </a:r>
+            <a:r>
+              <a:rPr lang="fi-FI" sz="3200" dirty="0" err="1">
+                <a:solidFill>
+                  <a:schemeClr val="bg1"/>
+                </a:solidFill>
+              </a:rPr>
+              <a:t>causes</a:t>
+            </a:r>
+            <a:r>
+              <a:rPr lang="fi-FI" sz="3200" dirty="0">
+                <a:solidFill>
+                  <a:schemeClr val="bg1"/>
+                </a:solidFill>
+              </a:rPr>
+              <a:t>.</a:t>
+            </a:r>
+          </a:p>
+        </p:txBody>
+      </p:sp>
+      <p:sp>
+        <p:nvSpPr>
+          <p:cNvPr id="5" name="Suorakulmio 4">
+            <a:extLst>
+              <a:ext uri="{FF2B5EF4-FFF2-40B4-BE49-F238E27FC236}">
+                <a16:creationId xmlns:a16="http://schemas.microsoft.com/office/drawing/2014/main" id="{806FC13F-52EE-9144-B108-3E398D926D89}"/>
+              </a:ext>
+            </a:extLst>
+          </p:cNvPr>
+          <p:cNvSpPr/>
+          <p:nvPr/>
+        </p:nvSpPr>
+        <p:spPr>
+          <a:xfrm>
+            <a:off x="1994555" y="469457"/>
+            <a:ext cx="7979761" cy="769441"/>
+          </a:xfrm>
+          <a:prstGeom prst="rect">
+            <a:avLst/>
+          </a:prstGeom>
+        </p:spPr>
+        <p:txBody>
+          <a:bodyPr wrap="square">
+            <a:spAutoFit/>
+          </a:bodyPr>
+          <a:lstStyle/>
+          <a:p>
+            <a:pPr algn="ctr"/>
+            <a:r>
+              <a:rPr lang="fi-FI" sz="4400" b="1" dirty="0" err="1">
+                <a:solidFill>
+                  <a:schemeClr val="bg1"/>
+                </a:solidFill>
+              </a:rPr>
+              <a:t>Pareto</a:t>
+            </a:r>
+            <a:r>
+              <a:rPr lang="fi-FI" sz="4400" b="1" dirty="0">
+                <a:solidFill>
+                  <a:schemeClr val="bg1"/>
+                </a:solidFill>
+              </a:rPr>
+              <a:t> </a:t>
+            </a:r>
+            <a:r>
+              <a:rPr lang="fi-FI" sz="4400" b="1" dirty="0" err="1">
+                <a:solidFill>
+                  <a:schemeClr val="bg1"/>
+                </a:solidFill>
+              </a:rPr>
+              <a:t>principle</a:t>
+            </a:r>
+            <a:endParaRPr lang="fi-FI" sz="4400" b="1" dirty="0">
+              <a:solidFill>
+                <a:schemeClr val="bg1"/>
+              </a:solidFill>
+            </a:endParaRPr>
+          </a:p>
+        </p:txBody>
+      </p:sp>
+      <p:sp>
+        <p:nvSpPr>
+          <p:cNvPr id="2" name="Suorakulmio 1">
+            <a:extLst>
+              <a:ext uri="{FF2B5EF4-FFF2-40B4-BE49-F238E27FC236}">
+                <a16:creationId xmlns:a16="http://schemas.microsoft.com/office/drawing/2014/main" id="{F79118AB-7D7A-3B46-824A-5BDCC1E9D003}"/>
+              </a:ext>
+            </a:extLst>
+          </p:cNvPr>
+          <p:cNvSpPr/>
+          <p:nvPr/>
+        </p:nvSpPr>
+        <p:spPr>
+          <a:xfrm>
+            <a:off x="147896" y="5941911"/>
+            <a:ext cx="4805105" cy="369332"/>
+          </a:xfrm>
+          <a:prstGeom prst="rect">
+            <a:avLst/>
+          </a:prstGeom>
+        </p:spPr>
+        <p:txBody>
+          <a:bodyPr wrap="square">
+            <a:spAutoFit/>
+          </a:bodyPr>
+          <a:lstStyle/>
+          <a:p>
+            <a:pPr algn="ctr"/>
+            <a:r>
+              <a:rPr lang="fi-FI" dirty="0" err="1">
+                <a:solidFill>
+                  <a:schemeClr val="bg1"/>
+                </a:solidFill>
+              </a:rPr>
+              <a:t>https</a:t>
+            </a:r>
+            <a:r>
+              <a:rPr lang="fi-FI" dirty="0">
+                <a:solidFill>
+                  <a:schemeClr val="bg1"/>
+                </a:solidFill>
+              </a:rPr>
+              <a:t>://</a:t>
+            </a:r>
+            <a:r>
+              <a:rPr lang="fi-FI" dirty="0" err="1">
+                <a:solidFill>
+                  <a:schemeClr val="bg1"/>
+                </a:solidFill>
+              </a:rPr>
+              <a:t>en.wikipedia.org</a:t>
+            </a:r>
+            <a:r>
+              <a:rPr lang="fi-FI" dirty="0">
+                <a:solidFill>
+                  <a:schemeClr val="bg1"/>
+                </a:solidFill>
+              </a:rPr>
+              <a:t>/wiki/</a:t>
+            </a:r>
+            <a:r>
+              <a:rPr lang="fi-FI" dirty="0" err="1">
+                <a:solidFill>
+                  <a:schemeClr val="bg1"/>
+                </a:solidFill>
+              </a:rPr>
+              <a:t>Pareto_principle</a:t>
+            </a:r>
+            <a:endParaRPr lang="fi-FI" dirty="0">
+              <a:solidFill>
+                <a:schemeClr val="bg1"/>
+              </a:solidFill>
+            </a:endParaRPr>
+          </a:p>
+        </p:txBody>
+      </p:sp>
+      <p:pic>
+        <p:nvPicPr>
+          <p:cNvPr id="7" name="Kuva 6" descr="Kuva, joka sisältää kohteen kello&#10;&#10;Kuvaus luotu automaattisesti">
+            <a:extLst>
+              <a:ext uri="{FF2B5EF4-FFF2-40B4-BE49-F238E27FC236}">
+                <a16:creationId xmlns:a16="http://schemas.microsoft.com/office/drawing/2014/main" id="{1CA211EA-9976-3246-A34F-A04466FB835B}"/>
+              </a:ext>
+            </a:extLst>
+          </p:cNvPr>
+          <p:cNvPicPr>
+            <a:picLocks noChangeAspect="1"/>
+          </p:cNvPicPr>
+          <p:nvPr/>
+        </p:nvPicPr>
+        <p:blipFill>
+          <a:blip r:embed="rId2"/>
+          <a:stretch>
+            <a:fillRect/>
+          </a:stretch>
+        </p:blipFill>
+        <p:spPr>
+          <a:xfrm>
+            <a:off x="5127172" y="2005299"/>
+            <a:ext cx="7067650" cy="3171382"/>
+          </a:xfrm>
+          <a:prstGeom prst="rect">
+            <a:avLst/>
+          </a:prstGeom>
+        </p:spPr>
+      </p:pic>
+    </p:spTree>
+    <p:extLst>
+      <p:ext uri="{BB962C8B-B14F-4D97-AF65-F5344CB8AC3E}">
+        <p14:creationId xmlns:p14="http://schemas.microsoft.com/office/powerpoint/2010/main" val="1733749965"/>
+      </p:ext>
+    </p:extLst>
+  </p:cSld>
+  <p:clrMapOvr>
+    <a:masterClrMapping/>
+  </p:clrMapOvr>
+</p:sld>
+</file>
+
+<file path=ppt/slides/slide6.xml><?xml version="1.0" encoding="utf-8"?>
 <p:sld xmlns:a="http://schemas.openxmlformats.org/drawingml/2006/main" xmlns:r="http://schemas.openxmlformats.org/officeDocument/2006/relationships" xmlns:p="http://schemas.openxmlformats.org/presentationml/2006/main">
   <p:cSld>
     <p:bg>
@@ -13393,634 +14708,7 @@
 </p:sld>
 </file>
 
-<file path=ppt/slides/slide5.xml><?xml version="1.0" encoding="utf-8"?>
-<p:sld xmlns:a="http://schemas.openxmlformats.org/drawingml/2006/main" xmlns:r="http://schemas.openxmlformats.org/officeDocument/2006/relationships" xmlns:p="http://schemas.openxmlformats.org/presentationml/2006/main">
-  <p:cSld>
-    <p:bg>
-      <p:bgPr>
-        <a:solidFill>
-          <a:schemeClr val="tx1"/>
-        </a:solidFill>
-        <a:effectLst/>
-      </p:bgPr>
-    </p:bg>
-    <p:spTree>
-      <p:nvGrpSpPr>
-        <p:cNvPr id="1" name=""/>
-        <p:cNvGrpSpPr/>
-        <p:nvPr/>
-      </p:nvGrpSpPr>
-      <p:grpSpPr>
-        <a:xfrm>
-          <a:off x="0" y="0"/>
-          <a:ext cx="0" cy="0"/>
-          <a:chOff x="0" y="0"/>
-          <a:chExt cx="0" cy="0"/>
-        </a:xfrm>
-      </p:grpSpPr>
-      <p:sp>
-        <p:nvSpPr>
-          <p:cNvPr id="8" name="Suorakulmio 7">
-            <a:extLst>
-              <a:ext uri="{FF2B5EF4-FFF2-40B4-BE49-F238E27FC236}">
-                <a16:creationId xmlns:a16="http://schemas.microsoft.com/office/drawing/2014/main" id="{86731D8C-CFCC-A648-8B0C-D6C32E55C019}"/>
-              </a:ext>
-            </a:extLst>
-          </p:cNvPr>
-          <p:cNvSpPr/>
-          <p:nvPr/>
-        </p:nvSpPr>
-        <p:spPr>
-          <a:xfrm>
-            <a:off x="213212" y="4430487"/>
-            <a:ext cx="4805105" cy="1393371"/>
-          </a:xfrm>
-          <a:prstGeom prst="rect">
-            <a:avLst/>
-          </a:prstGeom>
-          <a:solidFill>
-            <a:srgbClr val="FF4201"/>
-          </a:solidFill>
-          <a:ln>
-            <a:noFill/>
-          </a:ln>
-        </p:spPr>
-        <p:style>
-          <a:lnRef idx="2">
-            <a:schemeClr val="accent1">
-              <a:shade val="50000"/>
-            </a:schemeClr>
-          </a:lnRef>
-          <a:fillRef idx="1">
-            <a:schemeClr val="accent1"/>
-          </a:fillRef>
-          <a:effectRef idx="0">
-            <a:schemeClr val="accent1"/>
-          </a:effectRef>
-          <a:fontRef idx="minor">
-            <a:schemeClr val="lt1"/>
-          </a:fontRef>
-        </p:style>
-        <p:txBody>
-          <a:bodyPr rtlCol="0" anchor="ctr"/>
-          <a:lstStyle/>
-          <a:p>
-            <a:pPr algn="ctr"/>
-            <a:endParaRPr lang="fi-FI"/>
-          </a:p>
-        </p:txBody>
-      </p:sp>
-      <p:sp>
-        <p:nvSpPr>
-          <p:cNvPr id="10" name="Otsikko 1">
-            <a:extLst>
-              <a:ext uri="{FF2B5EF4-FFF2-40B4-BE49-F238E27FC236}">
-                <a16:creationId xmlns:a16="http://schemas.microsoft.com/office/drawing/2014/main" id="{2E6D5F2F-5AA7-024C-8BD8-87B73B40DBC9}"/>
-              </a:ext>
-            </a:extLst>
-          </p:cNvPr>
-          <p:cNvSpPr txBox="1">
-            <a:spLocks/>
-          </p:cNvSpPr>
-          <p:nvPr/>
-        </p:nvSpPr>
-        <p:spPr>
-          <a:xfrm>
-            <a:off x="0" y="6487297"/>
-            <a:ext cx="12192000" cy="370703"/>
-          </a:xfrm>
-          <a:prstGeom prst="rect">
-            <a:avLst/>
-          </a:prstGeom>
-          <a:solidFill>
-            <a:schemeClr val="tx1">
-              <a:lumMod val="85000"/>
-              <a:lumOff val="15000"/>
-            </a:schemeClr>
-          </a:solidFill>
-        </p:spPr>
-        <p:txBody>
-          <a:bodyPr vert="horz" lIns="91440" tIns="45720" rIns="91440" bIns="45720" rtlCol="0" anchor="ctr">
-            <a:normAutofit/>
-          </a:bodyPr>
-          <a:lstStyle>
-            <a:lvl1pPr algn="l" defTabSz="914400" rtl="0" eaLnBrk="1" latinLnBrk="0" hangingPunct="1">
-              <a:lnSpc>
-                <a:spcPct val="90000"/>
-              </a:lnSpc>
-              <a:spcBef>
-                <a:spcPct val="0"/>
-              </a:spcBef>
-              <a:buNone/>
-              <a:defRPr sz="4400" kern="1200">
-                <a:solidFill>
-                  <a:schemeClr val="tx1"/>
-                </a:solidFill>
-                <a:latin typeface="+mj-lt"/>
-                <a:ea typeface="+mj-ea"/>
-                <a:cs typeface="+mj-cs"/>
-              </a:defRPr>
-            </a:lvl1pPr>
-          </a:lstStyle>
-          <a:p>
-            <a:pPr algn="ctr"/>
-            <a:r>
-              <a:rPr lang="fi-FI" sz="1800" dirty="0">
-                <a:solidFill>
-                  <a:schemeClr val="bg1"/>
-                </a:solidFill>
-              </a:rPr>
-              <a:t>DX Doctor – dxdoctor.net – Jarkko Moilanen @Jarkko_Moilanen</a:t>
-            </a:r>
-          </a:p>
-        </p:txBody>
-      </p:sp>
-      <p:sp>
-        <p:nvSpPr>
-          <p:cNvPr id="26" name="Suorakulmio 25">
-            <a:extLst>
-              <a:ext uri="{FF2B5EF4-FFF2-40B4-BE49-F238E27FC236}">
-                <a16:creationId xmlns:a16="http://schemas.microsoft.com/office/drawing/2014/main" id="{D203DA5C-E8DA-D14F-BB56-7CC0A8E43F4D}"/>
-              </a:ext>
-            </a:extLst>
-          </p:cNvPr>
-          <p:cNvSpPr/>
-          <p:nvPr/>
-        </p:nvSpPr>
-        <p:spPr>
-          <a:xfrm>
-            <a:off x="147896" y="1658804"/>
-            <a:ext cx="4979276" cy="4031873"/>
-          </a:xfrm>
-          <a:prstGeom prst="rect">
-            <a:avLst/>
-          </a:prstGeom>
-        </p:spPr>
-        <p:txBody>
-          <a:bodyPr wrap="square">
-            <a:spAutoFit/>
-          </a:bodyPr>
-          <a:lstStyle/>
-          <a:p>
-            <a:pPr algn="ctr"/>
-            <a:r>
-              <a:rPr lang="fi-FI" sz="3200" dirty="0" err="1">
-                <a:solidFill>
-                  <a:schemeClr val="bg1"/>
-                </a:solidFill>
-              </a:rPr>
-              <a:t>also</a:t>
-            </a:r>
-            <a:r>
-              <a:rPr lang="fi-FI" sz="3200" dirty="0">
-                <a:solidFill>
-                  <a:schemeClr val="bg1"/>
-                </a:solidFill>
-              </a:rPr>
-              <a:t> </a:t>
-            </a:r>
-            <a:r>
-              <a:rPr lang="fi-FI" sz="3200" dirty="0" err="1">
-                <a:solidFill>
-                  <a:schemeClr val="bg1"/>
-                </a:solidFill>
-              </a:rPr>
-              <a:t>known</a:t>
-            </a:r>
-            <a:r>
-              <a:rPr lang="fi-FI" sz="3200" dirty="0">
-                <a:solidFill>
-                  <a:schemeClr val="bg1"/>
-                </a:solidFill>
-              </a:rPr>
-              <a:t> as the </a:t>
-            </a:r>
-            <a:r>
-              <a:rPr lang="fi-FI" sz="3200" b="1" dirty="0">
-                <a:solidFill>
-                  <a:schemeClr val="bg1"/>
-                </a:solidFill>
-              </a:rPr>
-              <a:t>80/20 </a:t>
-            </a:r>
-            <a:r>
-              <a:rPr lang="fi-FI" sz="3200" b="1" dirty="0" err="1">
-                <a:solidFill>
-                  <a:schemeClr val="bg1"/>
-                </a:solidFill>
-              </a:rPr>
-              <a:t>rule</a:t>
-            </a:r>
-            <a:r>
-              <a:rPr lang="fi-FI" sz="3200" dirty="0">
-                <a:solidFill>
-                  <a:schemeClr val="bg1"/>
-                </a:solidFill>
-              </a:rPr>
-              <a:t>, the </a:t>
-            </a:r>
-            <a:r>
-              <a:rPr lang="fi-FI" sz="3200" b="1" dirty="0" err="1">
-                <a:solidFill>
-                  <a:schemeClr val="bg1"/>
-                </a:solidFill>
-              </a:rPr>
-              <a:t>law</a:t>
-            </a:r>
-            <a:r>
-              <a:rPr lang="fi-FI" sz="3200" b="1" dirty="0">
-                <a:solidFill>
-                  <a:schemeClr val="bg1"/>
-                </a:solidFill>
-              </a:rPr>
-              <a:t> of the </a:t>
-            </a:r>
-            <a:r>
-              <a:rPr lang="fi-FI" sz="3200" b="1" dirty="0" err="1">
-                <a:solidFill>
-                  <a:schemeClr val="bg1"/>
-                </a:solidFill>
-              </a:rPr>
-              <a:t>vital</a:t>
-            </a:r>
-            <a:r>
-              <a:rPr lang="fi-FI" sz="3200" b="1" dirty="0">
-                <a:solidFill>
-                  <a:schemeClr val="bg1"/>
-                </a:solidFill>
-              </a:rPr>
-              <a:t> few,</a:t>
-            </a:r>
-            <a:r>
-              <a:rPr lang="fi-FI" sz="3200" dirty="0">
-                <a:solidFill>
-                  <a:schemeClr val="bg1"/>
-                </a:solidFill>
-              </a:rPr>
-              <a:t> or the </a:t>
-            </a:r>
-            <a:r>
-              <a:rPr lang="fi-FI" sz="3200" b="1" dirty="0" err="1">
-                <a:solidFill>
-                  <a:schemeClr val="bg1"/>
-                </a:solidFill>
-              </a:rPr>
-              <a:t>principle</a:t>
-            </a:r>
-            <a:r>
-              <a:rPr lang="fi-FI" sz="3200" b="1" dirty="0">
-                <a:solidFill>
-                  <a:schemeClr val="bg1"/>
-                </a:solidFill>
-              </a:rPr>
-              <a:t> of </a:t>
-            </a:r>
-            <a:r>
-              <a:rPr lang="fi-FI" sz="3200" b="1" dirty="0" err="1">
-                <a:solidFill>
-                  <a:schemeClr val="bg1"/>
-                </a:solidFill>
-              </a:rPr>
-              <a:t>factor</a:t>
-            </a:r>
-            <a:r>
-              <a:rPr lang="fi-FI" sz="3200" b="1" dirty="0">
-                <a:solidFill>
-                  <a:schemeClr val="bg1"/>
-                </a:solidFill>
-              </a:rPr>
-              <a:t> </a:t>
-            </a:r>
-            <a:r>
-              <a:rPr lang="fi-FI" sz="3200" b="1" dirty="0" err="1">
-                <a:solidFill>
-                  <a:schemeClr val="bg1"/>
-                </a:solidFill>
-              </a:rPr>
-              <a:t>sparsity</a:t>
-            </a:r>
-            <a:r>
-              <a:rPr lang="fi-FI" sz="3200" dirty="0">
-                <a:solidFill>
-                  <a:schemeClr val="bg1"/>
-                </a:solidFill>
-              </a:rPr>
-              <a:t>) </a:t>
-            </a:r>
-            <a:r>
-              <a:rPr lang="fi-FI" sz="3200" dirty="0" err="1">
-                <a:solidFill>
-                  <a:schemeClr val="bg1"/>
-                </a:solidFill>
-              </a:rPr>
-              <a:t>states</a:t>
-            </a:r>
-            <a:r>
-              <a:rPr lang="fi-FI" sz="3200" dirty="0">
-                <a:solidFill>
-                  <a:schemeClr val="bg1"/>
-                </a:solidFill>
-              </a:rPr>
-              <a:t> that, for </a:t>
-            </a:r>
-            <a:r>
-              <a:rPr lang="fi-FI" sz="3200" dirty="0" err="1">
-                <a:solidFill>
-                  <a:schemeClr val="bg1"/>
-                </a:solidFill>
-              </a:rPr>
-              <a:t>many</a:t>
-            </a:r>
-            <a:r>
-              <a:rPr lang="fi-FI" sz="3200" dirty="0">
-                <a:solidFill>
-                  <a:schemeClr val="bg1"/>
-                </a:solidFill>
-              </a:rPr>
-              <a:t> </a:t>
-            </a:r>
-            <a:r>
-              <a:rPr lang="fi-FI" sz="3200" dirty="0" err="1">
-                <a:solidFill>
-                  <a:schemeClr val="bg1"/>
-                </a:solidFill>
-              </a:rPr>
-              <a:t>events</a:t>
-            </a:r>
-            <a:r>
-              <a:rPr lang="fi-FI" sz="3200" dirty="0">
-                <a:solidFill>
-                  <a:schemeClr val="bg1"/>
-                </a:solidFill>
-              </a:rPr>
-              <a:t>, </a:t>
-            </a:r>
-            <a:r>
-              <a:rPr lang="fi-FI" sz="3200" dirty="0" err="1">
-                <a:solidFill>
-                  <a:schemeClr val="bg1"/>
-                </a:solidFill>
-              </a:rPr>
-              <a:t>roughly</a:t>
-            </a:r>
-            <a:r>
-              <a:rPr lang="fi-FI" sz="3200" dirty="0">
-                <a:solidFill>
-                  <a:schemeClr val="bg1"/>
-                </a:solidFill>
-              </a:rPr>
-              <a:t> </a:t>
-            </a:r>
-          </a:p>
-          <a:p>
-            <a:pPr algn="ctr"/>
-            <a:endParaRPr lang="fi-FI" sz="3200" dirty="0">
-              <a:solidFill>
-                <a:schemeClr val="bg1"/>
-              </a:solidFill>
-            </a:endParaRPr>
-          </a:p>
-          <a:p>
-            <a:pPr algn="ctr"/>
-            <a:r>
-              <a:rPr lang="fi-FI" sz="3200" dirty="0">
-                <a:solidFill>
-                  <a:schemeClr val="bg1"/>
-                </a:solidFill>
-              </a:rPr>
-              <a:t>80% of the </a:t>
-            </a:r>
-            <a:r>
-              <a:rPr lang="fi-FI" sz="3200" dirty="0" err="1">
-                <a:solidFill>
-                  <a:schemeClr val="bg1"/>
-                </a:solidFill>
-              </a:rPr>
-              <a:t>effects</a:t>
-            </a:r>
-            <a:r>
-              <a:rPr lang="fi-FI" sz="3200" dirty="0">
-                <a:solidFill>
-                  <a:schemeClr val="bg1"/>
-                </a:solidFill>
-              </a:rPr>
-              <a:t> </a:t>
-            </a:r>
-            <a:r>
-              <a:rPr lang="fi-FI" sz="3200" dirty="0" err="1">
-                <a:solidFill>
-                  <a:schemeClr val="bg1"/>
-                </a:solidFill>
-              </a:rPr>
-              <a:t>come</a:t>
-            </a:r>
-            <a:r>
-              <a:rPr lang="fi-FI" sz="3200" dirty="0">
-                <a:solidFill>
-                  <a:schemeClr val="bg1"/>
-                </a:solidFill>
-              </a:rPr>
-              <a:t> from 20% of the </a:t>
-            </a:r>
-            <a:r>
-              <a:rPr lang="fi-FI" sz="3200" dirty="0" err="1">
-                <a:solidFill>
-                  <a:schemeClr val="bg1"/>
-                </a:solidFill>
-              </a:rPr>
-              <a:t>causes</a:t>
-            </a:r>
-            <a:r>
-              <a:rPr lang="fi-FI" sz="3200" dirty="0">
-                <a:solidFill>
-                  <a:schemeClr val="bg1"/>
-                </a:solidFill>
-              </a:rPr>
-              <a:t>.</a:t>
-            </a:r>
-          </a:p>
-        </p:txBody>
-      </p:sp>
-      <p:sp>
-        <p:nvSpPr>
-          <p:cNvPr id="5" name="Suorakulmio 4">
-            <a:extLst>
-              <a:ext uri="{FF2B5EF4-FFF2-40B4-BE49-F238E27FC236}">
-                <a16:creationId xmlns:a16="http://schemas.microsoft.com/office/drawing/2014/main" id="{806FC13F-52EE-9144-B108-3E398D926D89}"/>
-              </a:ext>
-            </a:extLst>
-          </p:cNvPr>
-          <p:cNvSpPr/>
-          <p:nvPr/>
-        </p:nvSpPr>
-        <p:spPr>
-          <a:xfrm>
-            <a:off x="1994555" y="469457"/>
-            <a:ext cx="7979761" cy="769441"/>
-          </a:xfrm>
-          <a:prstGeom prst="rect">
-            <a:avLst/>
-          </a:prstGeom>
-        </p:spPr>
-        <p:txBody>
-          <a:bodyPr wrap="square">
-            <a:spAutoFit/>
-          </a:bodyPr>
-          <a:lstStyle/>
-          <a:p>
-            <a:pPr algn="ctr"/>
-            <a:r>
-              <a:rPr lang="fi-FI" sz="4400" b="1" dirty="0" err="1">
-                <a:solidFill>
-                  <a:schemeClr val="bg1"/>
-                </a:solidFill>
-              </a:rPr>
-              <a:t>Pareto</a:t>
-            </a:r>
-            <a:r>
-              <a:rPr lang="fi-FI" sz="4400" b="1" dirty="0">
-                <a:solidFill>
-                  <a:schemeClr val="bg1"/>
-                </a:solidFill>
-              </a:rPr>
-              <a:t> </a:t>
-            </a:r>
-            <a:r>
-              <a:rPr lang="fi-FI" sz="4400" b="1" dirty="0" err="1">
-                <a:solidFill>
-                  <a:schemeClr val="bg1"/>
-                </a:solidFill>
-              </a:rPr>
-              <a:t>principle</a:t>
-            </a:r>
-            <a:endParaRPr lang="fi-FI" sz="4400" b="1" dirty="0">
-              <a:solidFill>
-                <a:schemeClr val="bg1"/>
-              </a:solidFill>
-            </a:endParaRPr>
-          </a:p>
-        </p:txBody>
-      </p:sp>
-      <p:sp>
-        <p:nvSpPr>
-          <p:cNvPr id="2" name="Suorakulmio 1">
-            <a:extLst>
-              <a:ext uri="{FF2B5EF4-FFF2-40B4-BE49-F238E27FC236}">
-                <a16:creationId xmlns:a16="http://schemas.microsoft.com/office/drawing/2014/main" id="{F79118AB-7D7A-3B46-824A-5BDCC1E9D003}"/>
-              </a:ext>
-            </a:extLst>
-          </p:cNvPr>
-          <p:cNvSpPr/>
-          <p:nvPr/>
-        </p:nvSpPr>
-        <p:spPr>
-          <a:xfrm>
-            <a:off x="147896" y="5941911"/>
-            <a:ext cx="4805105" cy="369332"/>
-          </a:xfrm>
-          <a:prstGeom prst="rect">
-            <a:avLst/>
-          </a:prstGeom>
-        </p:spPr>
-        <p:txBody>
-          <a:bodyPr wrap="square">
-            <a:spAutoFit/>
-          </a:bodyPr>
-          <a:lstStyle/>
-          <a:p>
-            <a:pPr algn="ctr"/>
-            <a:r>
-              <a:rPr lang="fi-FI" dirty="0" err="1">
-                <a:solidFill>
-                  <a:schemeClr val="bg1"/>
-                </a:solidFill>
-              </a:rPr>
-              <a:t>https</a:t>
-            </a:r>
-            <a:r>
-              <a:rPr lang="fi-FI" dirty="0">
-                <a:solidFill>
-                  <a:schemeClr val="bg1"/>
-                </a:solidFill>
-              </a:rPr>
-              <a:t>://</a:t>
-            </a:r>
-            <a:r>
-              <a:rPr lang="fi-FI" dirty="0" err="1">
-                <a:solidFill>
-                  <a:schemeClr val="bg1"/>
-                </a:solidFill>
-              </a:rPr>
-              <a:t>en.wikipedia.org</a:t>
-            </a:r>
-            <a:r>
-              <a:rPr lang="fi-FI" dirty="0">
-                <a:solidFill>
-                  <a:schemeClr val="bg1"/>
-                </a:solidFill>
-              </a:rPr>
-              <a:t>/wiki/</a:t>
-            </a:r>
-            <a:r>
-              <a:rPr lang="fi-FI" dirty="0" err="1">
-                <a:solidFill>
-                  <a:schemeClr val="bg1"/>
-                </a:solidFill>
-              </a:rPr>
-              <a:t>Pareto_principle</a:t>
-            </a:r>
-            <a:endParaRPr lang="fi-FI" dirty="0">
-              <a:solidFill>
-                <a:schemeClr val="bg1"/>
-              </a:solidFill>
-            </a:endParaRPr>
-          </a:p>
-        </p:txBody>
-      </p:sp>
-      <p:pic>
-        <p:nvPicPr>
-          <p:cNvPr id="7" name="Kuva 6" descr="Kuva, joka sisältää kohteen kello&#10;&#10;Kuvaus luotu automaattisesti">
-            <a:extLst>
-              <a:ext uri="{FF2B5EF4-FFF2-40B4-BE49-F238E27FC236}">
-                <a16:creationId xmlns:a16="http://schemas.microsoft.com/office/drawing/2014/main" id="{1CA211EA-9976-3246-A34F-A04466FB835B}"/>
-              </a:ext>
-            </a:extLst>
-          </p:cNvPr>
-          <p:cNvPicPr>
-            <a:picLocks noChangeAspect="1"/>
-          </p:cNvPicPr>
-          <p:nvPr/>
-        </p:nvPicPr>
-        <p:blipFill>
-          <a:blip r:embed="rId2"/>
-          <a:stretch>
-            <a:fillRect/>
-          </a:stretch>
-        </p:blipFill>
-        <p:spPr>
-          <a:xfrm>
-            <a:off x="5127172" y="2005299"/>
-            <a:ext cx="7067650" cy="3171382"/>
-          </a:xfrm>
-          <a:prstGeom prst="rect">
-            <a:avLst/>
-          </a:prstGeom>
-        </p:spPr>
-      </p:pic>
-    </p:spTree>
-    <p:extLst>
-      <p:ext uri="{BB962C8B-B14F-4D97-AF65-F5344CB8AC3E}">
-        <p14:creationId xmlns:p14="http://schemas.microsoft.com/office/powerpoint/2010/main" val="1733749965"/>
-      </p:ext>
-    </p:extLst>
-  </p:cSld>
-  <p:clrMapOvr>
-    <a:masterClrMapping/>
-  </p:clrMapOvr>
-</p:sld>
-</file>
-
-<file path=ppt/slides/slide6.xml><?xml version="1.0" encoding="utf-8"?>
+<file path=ppt/slides/slide7.xml><?xml version="1.0" encoding="utf-8"?>
 <p:sld xmlns:a="http://schemas.openxmlformats.org/drawingml/2006/main" xmlns:r="http://schemas.openxmlformats.org/officeDocument/2006/relationships" xmlns:p="http://schemas.openxmlformats.org/presentationml/2006/main">
   <p:cSld>
     <p:bg>
@@ -15192,7 +15880,7 @@
 </p:sld>
 </file>
 
-<file path=ppt/slides/slide7.xml><?xml version="1.0" encoding="utf-8"?>
+<file path=ppt/slides/slide8.xml><?xml version="1.0" encoding="utf-8"?>
 <p:sld xmlns:a="http://schemas.openxmlformats.org/drawingml/2006/main" xmlns:r="http://schemas.openxmlformats.org/officeDocument/2006/relationships" xmlns:p="http://schemas.openxmlformats.org/presentationml/2006/main">
   <p:cSld>
     <p:bg>
@@ -15788,7 +16476,7 @@
 </p:sld>
 </file>
 
-<file path=ppt/slides/slide8.xml><?xml version="1.0" encoding="utf-8"?>
+<file path=ppt/slides/slide9.xml><?xml version="1.0" encoding="utf-8"?>
 <p:sld xmlns:a="http://schemas.openxmlformats.org/drawingml/2006/main" xmlns:r="http://schemas.openxmlformats.org/officeDocument/2006/relationships" xmlns:p="http://schemas.openxmlformats.org/presentationml/2006/main">
   <p:cSld>
     <p:bg>
@@ -16383,438 +17071,6 @@
     <p:extLst>
       <p:ext uri="{BB962C8B-B14F-4D97-AF65-F5344CB8AC3E}">
         <p14:creationId xmlns:p14="http://schemas.microsoft.com/office/powerpoint/2010/main" val="4114430898"/>
-      </p:ext>
-    </p:extLst>
-  </p:cSld>
-  <p:clrMapOvr>
-    <a:masterClrMapping/>
-  </p:clrMapOvr>
-</p:sld>
-</file>
-
-<file path=ppt/slides/slide9.xml><?xml version="1.0" encoding="utf-8"?>
-<p:sld xmlns:a="http://schemas.openxmlformats.org/drawingml/2006/main" xmlns:r="http://schemas.openxmlformats.org/officeDocument/2006/relationships" xmlns:p="http://schemas.openxmlformats.org/presentationml/2006/main">
-  <p:cSld>
-    <p:bg>
-      <p:bgPr>
-        <a:blipFill dpi="0" rotWithShape="1">
-          <a:blip r:embed="rId2">
-            <a:lum/>
-          </a:blip>
-          <a:srcRect/>
-          <a:stretch>
-            <a:fillRect t="-9000" b="-9000"/>
-          </a:stretch>
-        </a:blipFill>
-        <a:effectLst/>
-      </p:bgPr>
-    </p:bg>
-    <p:spTree>
-      <p:nvGrpSpPr>
-        <p:cNvPr id="1" name=""/>
-        <p:cNvGrpSpPr/>
-        <p:nvPr/>
-      </p:nvGrpSpPr>
-      <p:grpSpPr>
-        <a:xfrm>
-          <a:off x="0" y="0"/>
-          <a:ext cx="0" cy="0"/>
-          <a:chOff x="0" y="0"/>
-          <a:chExt cx="0" cy="0"/>
-        </a:xfrm>
-      </p:grpSpPr>
-      <p:sp>
-        <p:nvSpPr>
-          <p:cNvPr id="4" name="Otsikko 1">
-            <a:extLst>
-              <a:ext uri="{FF2B5EF4-FFF2-40B4-BE49-F238E27FC236}">
-                <a16:creationId xmlns:a16="http://schemas.microsoft.com/office/drawing/2014/main" id="{5B3247D8-F487-9A4F-BBA2-F4889044E82A}"/>
-              </a:ext>
-            </a:extLst>
-          </p:cNvPr>
-          <p:cNvSpPr txBox="1">
-            <a:spLocks/>
-          </p:cNvSpPr>
-          <p:nvPr/>
-        </p:nvSpPr>
-        <p:spPr>
-          <a:xfrm>
-            <a:off x="0" y="0"/>
-            <a:ext cx="7388772" cy="6487297"/>
-          </a:xfrm>
-          <a:prstGeom prst="rect">
-            <a:avLst/>
-          </a:prstGeom>
-          <a:solidFill>
-            <a:srgbClr val="FF4201"/>
-          </a:solidFill>
-        </p:spPr>
-        <p:txBody>
-          <a:bodyPr vert="horz" lIns="91440" tIns="45720" rIns="91440" bIns="45720" rtlCol="0" anchor="ctr">
-            <a:normAutofit/>
-          </a:bodyPr>
-          <a:lstStyle>
-            <a:lvl1pPr algn="l" defTabSz="914400" rtl="0" eaLnBrk="1" latinLnBrk="0" hangingPunct="1">
-              <a:lnSpc>
-                <a:spcPct val="90000"/>
-              </a:lnSpc>
-              <a:spcBef>
-                <a:spcPct val="0"/>
-              </a:spcBef>
-              <a:buNone/>
-              <a:defRPr sz="4400" kern="1200">
-                <a:solidFill>
-                  <a:schemeClr val="tx1"/>
-                </a:solidFill>
-                <a:latin typeface="+mj-lt"/>
-                <a:ea typeface="+mj-ea"/>
-                <a:cs typeface="+mj-cs"/>
-              </a:defRPr>
-            </a:lvl1pPr>
-          </a:lstStyle>
-          <a:p>
-            <a:pPr marL="0" marR="0" lvl="0" indent="0" algn="l" defTabSz="914400" rtl="0" eaLnBrk="1" fontAlgn="auto" latinLnBrk="0" hangingPunct="1">
-              <a:lnSpc>
-                <a:spcPct val="90000"/>
-              </a:lnSpc>
-              <a:spcBef>
-                <a:spcPct val="0"/>
-              </a:spcBef>
-              <a:spcAft>
-                <a:spcPts val="0"/>
-              </a:spcAft>
-              <a:buClrTx/>
-              <a:buSzTx/>
-              <a:buFontTx/>
-              <a:buNone/>
-              <a:tabLst/>
-              <a:defRPr/>
-            </a:pPr>
-            <a:endParaRPr kumimoji="0" lang="fi-FI" sz="6000" b="0" i="0" u="none" strike="noStrike" kern="1200" cap="none" spc="0" normalizeH="0" baseline="0" noProof="0" dirty="0">
-              <a:ln>
-                <a:noFill/>
-              </a:ln>
-              <a:solidFill>
-                <a:prstClr val="white"/>
-              </a:solidFill>
-              <a:effectLst/>
-              <a:uLnTx/>
-              <a:uFillTx/>
-              <a:latin typeface="Calibri Light" panose="020F0302020204030204"/>
-              <a:ea typeface="+mj-ea"/>
-              <a:cs typeface="+mj-cs"/>
-            </a:endParaRPr>
-          </a:p>
-        </p:txBody>
-      </p:sp>
-      <p:sp>
-        <p:nvSpPr>
-          <p:cNvPr id="6" name="Otsikko 1">
-            <a:extLst>
-              <a:ext uri="{FF2B5EF4-FFF2-40B4-BE49-F238E27FC236}">
-                <a16:creationId xmlns:a16="http://schemas.microsoft.com/office/drawing/2014/main" id="{C0DD3EE3-DD16-CB4C-8621-19567DE837A5}"/>
-              </a:ext>
-            </a:extLst>
-          </p:cNvPr>
-          <p:cNvSpPr txBox="1">
-            <a:spLocks/>
-          </p:cNvSpPr>
-          <p:nvPr/>
-        </p:nvSpPr>
-        <p:spPr>
-          <a:xfrm>
-            <a:off x="0" y="6487297"/>
-            <a:ext cx="12192000" cy="370703"/>
-          </a:xfrm>
-          <a:prstGeom prst="rect">
-            <a:avLst/>
-          </a:prstGeom>
-          <a:solidFill>
-            <a:schemeClr val="tx1">
-              <a:lumMod val="85000"/>
-              <a:lumOff val="15000"/>
-            </a:schemeClr>
-          </a:solidFill>
-        </p:spPr>
-        <p:txBody>
-          <a:bodyPr vert="horz" lIns="91440" tIns="45720" rIns="91440" bIns="45720" rtlCol="0" anchor="ctr">
-            <a:normAutofit/>
-          </a:bodyPr>
-          <a:lstStyle>
-            <a:lvl1pPr algn="l" defTabSz="914400" rtl="0" eaLnBrk="1" latinLnBrk="0" hangingPunct="1">
-              <a:lnSpc>
-                <a:spcPct val="90000"/>
-              </a:lnSpc>
-              <a:spcBef>
-                <a:spcPct val="0"/>
-              </a:spcBef>
-              <a:buNone/>
-              <a:defRPr sz="4400" kern="1200">
-                <a:solidFill>
-                  <a:schemeClr val="tx1"/>
-                </a:solidFill>
-                <a:latin typeface="+mj-lt"/>
-                <a:ea typeface="+mj-ea"/>
-                <a:cs typeface="+mj-cs"/>
-              </a:defRPr>
-            </a:lvl1pPr>
-          </a:lstStyle>
-          <a:p>
-            <a:pPr marL="0" marR="0" lvl="0" indent="0" algn="ctr" defTabSz="914400" rtl="0" eaLnBrk="1" fontAlgn="auto" latinLnBrk="0" hangingPunct="1">
-              <a:lnSpc>
-                <a:spcPct val="90000"/>
-              </a:lnSpc>
-              <a:spcBef>
-                <a:spcPct val="0"/>
-              </a:spcBef>
-              <a:spcAft>
-                <a:spcPts val="0"/>
-              </a:spcAft>
-              <a:buClrTx/>
-              <a:buSzTx/>
-              <a:buFontTx/>
-              <a:buNone/>
-              <a:tabLst/>
-              <a:defRPr/>
-            </a:pPr>
-            <a:r>
-              <a:rPr kumimoji="0" lang="fi-FI" sz="1800" b="0" i="0" u="none" strike="noStrike" kern="1200" cap="none" spc="0" normalizeH="0" baseline="0" noProof="0" dirty="0">
-                <a:ln>
-                  <a:noFill/>
-                </a:ln>
-                <a:solidFill>
-                  <a:prstClr val="white"/>
-                </a:solidFill>
-                <a:effectLst/>
-                <a:uLnTx/>
-                <a:uFillTx/>
-                <a:latin typeface="Calibri Light" panose="020F0302020204030204"/>
-                <a:ea typeface="+mj-ea"/>
-                <a:cs typeface="+mj-cs"/>
-              </a:rPr>
-              <a:t>DX Doctor – dxdoctor.net – Jarkko Moilanen @Jarkko_Moilanen</a:t>
-            </a:r>
-          </a:p>
-        </p:txBody>
-      </p:sp>
-      <p:sp>
-        <p:nvSpPr>
-          <p:cNvPr id="8" name="Tekstiruutu 7">
-            <a:extLst>
-              <a:ext uri="{FF2B5EF4-FFF2-40B4-BE49-F238E27FC236}">
-                <a16:creationId xmlns:a16="http://schemas.microsoft.com/office/drawing/2014/main" id="{D76713CD-91CA-1C4E-85B7-119690CF1138}"/>
-              </a:ext>
-            </a:extLst>
-          </p:cNvPr>
-          <p:cNvSpPr txBox="1"/>
-          <p:nvPr/>
-        </p:nvSpPr>
-        <p:spPr>
-          <a:xfrm>
-            <a:off x="320565" y="370703"/>
-            <a:ext cx="6663559" cy="1569660"/>
-          </a:xfrm>
-          <a:prstGeom prst="rect">
-            <a:avLst/>
-          </a:prstGeom>
-          <a:noFill/>
-        </p:spPr>
-        <p:txBody>
-          <a:bodyPr wrap="square" rtlCol="0">
-            <a:spAutoFit/>
-          </a:bodyPr>
-          <a:lstStyle/>
-          <a:p>
-            <a:r>
-              <a:rPr lang="fi-FI" sz="4800" b="1" dirty="0">
-                <a:solidFill>
-                  <a:schemeClr val="bg1"/>
-                </a:solidFill>
-              </a:rPr>
-              <a:t>Information </a:t>
-            </a:r>
-            <a:r>
-              <a:rPr lang="fi-FI" sz="4800" b="1" dirty="0" err="1">
-                <a:solidFill>
-                  <a:schemeClr val="bg1"/>
-                </a:solidFill>
-              </a:rPr>
-              <a:t>overflow</a:t>
-            </a:r>
-            <a:endParaRPr lang="fi-FI" sz="4800" dirty="0">
-              <a:solidFill>
-                <a:schemeClr val="bg1"/>
-              </a:solidFill>
-            </a:endParaRPr>
-          </a:p>
-          <a:p>
-            <a:r>
-              <a:rPr lang="fi-FI" sz="2400" dirty="0" err="1">
-                <a:solidFill>
-                  <a:schemeClr val="bg1"/>
-                </a:solidFill>
-              </a:rPr>
-              <a:t>Find</a:t>
-            </a:r>
-            <a:r>
-              <a:rPr lang="fi-FI" sz="2400" dirty="0">
-                <a:solidFill>
-                  <a:schemeClr val="bg1"/>
-                </a:solidFill>
-              </a:rPr>
-              <a:t> the </a:t>
-            </a:r>
-            <a:r>
-              <a:rPr lang="fi-FI" sz="2400" dirty="0" err="1">
-                <a:solidFill>
-                  <a:schemeClr val="bg1"/>
-                </a:solidFill>
-              </a:rPr>
-              <a:t>relevant</a:t>
-            </a:r>
-            <a:r>
-              <a:rPr lang="fi-FI" sz="2400" dirty="0">
-                <a:solidFill>
-                  <a:schemeClr val="bg1"/>
-                </a:solidFill>
-              </a:rPr>
-              <a:t> information from your </a:t>
-            </a:r>
-            <a:r>
-              <a:rPr lang="fi-FI" sz="2400" dirty="0" err="1">
-                <a:solidFill>
-                  <a:schemeClr val="bg1"/>
-                </a:solidFill>
-              </a:rPr>
-              <a:t>developer</a:t>
-            </a:r>
-            <a:r>
-              <a:rPr lang="fi-FI" sz="2400" dirty="0">
-                <a:solidFill>
-                  <a:schemeClr val="bg1"/>
-                </a:solidFill>
-              </a:rPr>
-              <a:t> </a:t>
-            </a:r>
-            <a:r>
-              <a:rPr lang="fi-FI" sz="2400" dirty="0" err="1">
-                <a:solidFill>
-                  <a:schemeClr val="bg1"/>
-                </a:solidFill>
-              </a:rPr>
-              <a:t>portal</a:t>
-            </a:r>
-            <a:endParaRPr lang="fi-FI" sz="2400" dirty="0">
-              <a:solidFill>
-                <a:schemeClr val="bg1"/>
-              </a:solidFill>
-            </a:endParaRPr>
-          </a:p>
-        </p:txBody>
-      </p:sp>
-      <p:sp>
-        <p:nvSpPr>
-          <p:cNvPr id="10" name="Suorakulmio 9">
-            <a:extLst>
-              <a:ext uri="{FF2B5EF4-FFF2-40B4-BE49-F238E27FC236}">
-                <a16:creationId xmlns:a16="http://schemas.microsoft.com/office/drawing/2014/main" id="{8A3F150D-40F5-5B42-99DD-9988CF97DBB0}"/>
-              </a:ext>
-            </a:extLst>
-          </p:cNvPr>
-          <p:cNvSpPr/>
-          <p:nvPr/>
-        </p:nvSpPr>
-        <p:spPr>
-          <a:xfrm>
-            <a:off x="981589" y="2370556"/>
-            <a:ext cx="4831382" cy="3301054"/>
-          </a:xfrm>
-          <a:prstGeom prst="rect">
-            <a:avLst/>
-          </a:prstGeom>
-          <a:noFill/>
-          <a:ln>
-            <a:solidFill>
-              <a:schemeClr val="bg1"/>
-            </a:solidFill>
-          </a:ln>
-        </p:spPr>
-        <p:style>
-          <a:lnRef idx="2">
-            <a:schemeClr val="accent1">
-              <a:shade val="50000"/>
-            </a:schemeClr>
-          </a:lnRef>
-          <a:fillRef idx="1">
-            <a:schemeClr val="accent1"/>
-          </a:fillRef>
-          <a:effectRef idx="0">
-            <a:schemeClr val="accent1"/>
-          </a:effectRef>
-          <a:fontRef idx="minor">
-            <a:schemeClr val="lt1"/>
-          </a:fontRef>
-        </p:style>
-        <p:txBody>
-          <a:bodyPr rtlCol="0" anchor="ctr"/>
-          <a:lstStyle/>
-          <a:p>
-            <a:pPr algn="ctr"/>
-            <a:r>
-              <a:rPr lang="fi-FI" sz="4800" dirty="0">
-                <a:solidFill>
-                  <a:schemeClr val="bg1"/>
-                </a:solidFill>
-              </a:rPr>
-              <a:t>80% of the </a:t>
-            </a:r>
-            <a:r>
-              <a:rPr lang="fi-FI" sz="4800" dirty="0" err="1">
-                <a:solidFill>
-                  <a:schemeClr val="bg1"/>
-                </a:solidFill>
-              </a:rPr>
-              <a:t>developers</a:t>
-            </a:r>
-            <a:r>
-              <a:rPr lang="fi-FI" sz="4800" dirty="0">
-                <a:solidFill>
-                  <a:schemeClr val="bg1"/>
-                </a:solidFill>
-              </a:rPr>
-              <a:t> </a:t>
-            </a:r>
-          </a:p>
-          <a:p>
-            <a:pPr algn="ctr"/>
-            <a:r>
-              <a:rPr lang="fi-FI" sz="4800" dirty="0">
-                <a:solidFill>
-                  <a:schemeClr val="bg1"/>
-                </a:solidFill>
-              </a:rPr>
-              <a:t>need 20% of the </a:t>
-            </a:r>
-            <a:r>
-              <a:rPr lang="fi-FI" sz="4800" dirty="0" err="1">
-                <a:solidFill>
-                  <a:schemeClr val="bg1"/>
-                </a:solidFill>
-              </a:rPr>
-              <a:t>content</a:t>
-            </a:r>
-            <a:endParaRPr lang="fi-FI" sz="4800" dirty="0">
-              <a:solidFill>
-                <a:schemeClr val="bg1"/>
-              </a:solidFill>
-            </a:endParaRPr>
-          </a:p>
-        </p:txBody>
-      </p:sp>
-    </p:spTree>
-    <p:extLst>
-      <p:ext uri="{BB962C8B-B14F-4D97-AF65-F5344CB8AC3E}">
-        <p14:creationId xmlns:p14="http://schemas.microsoft.com/office/powerpoint/2010/main" val="1367482897"/>
       </p:ext>
     </p:extLst>
   </p:cSld>
